--- a/intro_to_selenium/solarsystemscope/Presentation/Presentation.pptx
+++ b/intro_to_selenium/solarsystemscope/Presentation/Presentation.pptx
@@ -12261,6 +12261,18 @@
   <p:clrMapOvr>
     <a:masterClrMapping/>
   </p:clrMapOvr>
+  <mc:AlternateContent xmlns:mc="http://schemas.openxmlformats.org/markup-compatibility/2006">
+    <mc:Choice xmlns:p14="http://schemas.microsoft.com/office/powerpoint/2010/main" Requires="p14">
+      <p:transition spd="slow" p14:dur="2000">
+        <p14:vortex/>
+      </p:transition>
+    </mc:Choice>
+    <mc:Fallback>
+      <p:transition spd="slow">
+        <p:fade/>
+      </p:transition>
+    </mc:Fallback>
+  </mc:AlternateContent>
   <p:timing>
     <p:tnLst>
       <p:par>
@@ -12641,6 +12653,9 @@
   <p:clrMapOvr>
     <a:masterClrMapping/>
   </p:clrMapOvr>
+  <p:transition spd="slow">
+    <p:randomBar dir="vert"/>
+  </p:transition>
   <p:timing>
     <p:tnLst>
       <p:par>
@@ -12690,7 +12705,7 @@
                                     </p:set>
                                     <p:animEffect transition="in" filter="randombar(horizontal)">
                                       <p:cBhvr>
-                                        <p:cTn id="7" dur="1250"/>
+                                        <p:cTn id="7" dur="1000"/>
                                         <p:tgtEl>
                                           <p:spTgt spid="9"/>
                                         </p:tgtEl>
@@ -12705,7 +12720,7 @@
                         <p:par>
                           <p:cTn id="8" fill="hold">
                             <p:stCondLst>
-                              <p:cond delay="1250"/>
+                              <p:cond delay="1000"/>
                             </p:stCondLst>
                             <p:childTnLst>
                               <p:par>
@@ -12787,7 +12802,7 @@
                         <p:par>
                           <p:cTn id="13" fill="hold">
                             <p:stCondLst>
-                              <p:cond delay="2250"/>
+                              <p:cond delay="2000"/>
                             </p:stCondLst>
                             <p:childTnLst>
                               <p:par>
@@ -12869,7 +12884,7 @@
                         <p:par>
                           <p:cTn id="18" fill="hold">
                             <p:stCondLst>
-                              <p:cond delay="3250"/>
+                              <p:cond delay="3000"/>
                             </p:stCondLst>
                             <p:childTnLst>
                               <p:par>
@@ -22348,6 +22363,18 @@
   <p:clrMapOvr>
     <a:masterClrMapping/>
   </p:clrMapOvr>
+  <mc:AlternateContent xmlns:mc="http://schemas.openxmlformats.org/markup-compatibility/2006">
+    <mc:Choice xmlns:p14="http://schemas.microsoft.com/office/powerpoint/2010/main" Requires="p14">
+      <p:transition spd="slow">
+        <p14:glitter dir="r"/>
+      </p:transition>
+    </mc:Choice>
+    <mc:Fallback>
+      <p:transition spd="slow">
+        <p:fade/>
+      </p:transition>
+    </mc:Fallback>
+  </mc:AlternateContent>
   <p:timing>
     <p:tnLst>
       <p:par>
@@ -22643,7 +22670,7 @@
             <p:ph sz="half" idx="2"/>
             <p:extLst>
               <p:ext uri="{D42A27DB-BD31-4B8C-83A1-F6EECF244321}">
-                <p14:modId xmlns:p14="http://schemas.microsoft.com/office/powerpoint/2010/main" val="1738778611"/>
+                <p14:modId xmlns:p14="http://schemas.microsoft.com/office/powerpoint/2010/main" val="2901007401"/>
               </p:ext>
             </p:extLst>
           </p:nvPr>
@@ -22713,6 +22740,18 @@
   <p:clrMapOvr>
     <a:masterClrMapping/>
   </p:clrMapOvr>
+  <mc:AlternateContent xmlns:mc="http://schemas.openxmlformats.org/markup-compatibility/2006">
+    <mc:Choice xmlns:p14="http://schemas.microsoft.com/office/powerpoint/2010/main" Requires="p14">
+      <p:transition spd="slow" p14:dur="1400">
+        <p14:ripple/>
+      </p:transition>
+    </mc:Choice>
+    <mc:Fallback>
+      <p:transition spd="slow">
+        <p:fade/>
+      </p:transition>
+    </mc:Fallback>
+  </mc:AlternateContent>
   <p:timing>
     <p:tnLst>
       <p:par>
@@ -22924,6 +22963,18 @@
   <p:clrMapOvr>
     <a:masterClrMapping/>
   </p:clrMapOvr>
+  <mc:AlternateContent xmlns:mc="http://schemas.openxmlformats.org/markup-compatibility/2006">
+    <mc:Choice xmlns:p14="http://schemas.microsoft.com/office/powerpoint/2010/main" Requires="p14">
+      <p:transition spd="slow">
+        <p14:flash/>
+      </p:transition>
+    </mc:Choice>
+    <mc:Fallback>
+      <p:transition spd="slow">
+        <p:fade/>
+      </p:transition>
+    </mc:Fallback>
+  </mc:AlternateContent>
   <p:timing>
     <p:tnLst>
       <p:par>
@@ -23030,61 +23081,73 @@
           <a:chExt cx="0" cy="0"/>
         </a:xfrm>
       </p:grpSpPr>
-      <p:pic>
-        <p:nvPicPr>
-          <p:cNvPr id="3" name="תמונה 2">
+      <p:sp>
+        <p:nvSpPr>
+          <p:cNvPr id="2" name="תיבת טקסט 1">
             <a:hlinkClick r:id="rId2" action="ppaction://hlinkfile"/>
             <a:extLst>
               <a:ext uri="{FF2B5EF4-FFF2-40B4-BE49-F238E27FC236}">
-                <a16:creationId xmlns:a16="http://schemas.microsoft.com/office/drawing/2014/main" id="{68C4AA63-4B82-2681-7FF1-2A0C4961A78E}"/>
+                <a16:creationId xmlns:a16="http://schemas.microsoft.com/office/drawing/2014/main" id="{474313BA-BAA3-B1C9-694B-FFBB64D533C6}"/>
               </a:ext>
             </a:extLst>
           </p:cNvPr>
-          <p:cNvPicPr>
-            <a:picLocks noChangeAspect="1"/>
-          </p:cNvPicPr>
+          <p:cNvSpPr txBox="1"/>
           <p:nvPr/>
-        </p:nvPicPr>
-        <p:blipFill>
-          <a:blip r:embed="rId3"/>
-          <a:stretch>
-            <a:fillRect/>
-          </a:stretch>
-        </p:blipFill>
+        </p:nvSpPr>
         <p:spPr>
           <a:xfrm>
-            <a:off x="462116" y="806435"/>
-            <a:ext cx="11267768" cy="5245129"/>
+            <a:off x="1372362" y="2921168"/>
+            <a:ext cx="9447276" cy="1015663"/>
           </a:xfrm>
-          <a:prstGeom prst="roundRect">
-            <a:avLst>
-              <a:gd name="adj" fmla="val 16667"/>
-            </a:avLst>
+          <a:prstGeom prst="rect">
+            <a:avLst/>
           </a:prstGeom>
-          <a:ln>
-            <a:noFill/>
-          </a:ln>
+          <a:solidFill>
+            <a:schemeClr val="accent6"/>
+          </a:solidFill>
           <a:effectLst>
-            <a:outerShdw blurRad="76200" dist="38100" dir="7800000" algn="tl" rotWithShape="0">
+            <a:outerShdw blurRad="63500" dist="38100" dir="5400000" rotWithShape="0">
               <a:srgbClr val="000000">
-                <a:alpha val="40000"/>
+                <a:alpha val="65000"/>
               </a:srgbClr>
             </a:outerShdw>
+            <a:reflection blurRad="6350" stA="50000" endA="295" endPos="92000" dist="101600" dir="5400000" sy="-100000" algn="bl" rotWithShape="0"/>
           </a:effectLst>
-          <a:scene3d>
-            <a:camera prst="orthographicFront"/>
-            <a:lightRig rig="contrasting" dir="t">
-              <a:rot lat="0" lon="0" rev="4200000"/>
-            </a:lightRig>
-          </a:scene3d>
-          <a:sp3d prstMaterial="plastic">
-            <a:bevelT w="381000" h="114300" prst="relaxedInset"/>
-            <a:contourClr>
-              <a:srgbClr val="969696"/>
-            </a:contourClr>
-          </a:sp3d>
         </p:spPr>
-      </p:pic>
+        <p:style>
+          <a:lnRef idx="0">
+            <a:schemeClr val="accent6"/>
+          </a:lnRef>
+          <a:fillRef idx="3">
+            <a:schemeClr val="accent6"/>
+          </a:fillRef>
+          <a:effectRef idx="3">
+            <a:schemeClr val="accent6"/>
+          </a:effectRef>
+          <a:fontRef idx="minor">
+            <a:schemeClr val="lt1"/>
+          </a:fontRef>
+        </p:style>
+        <p:txBody>
+          <a:bodyPr wrap="square" rtlCol="1">
+            <a:spAutoFit/>
+          </a:bodyPr>
+          <a:lstStyle/>
+          <a:p>
+            <a:r>
+              <a:rPr lang="en-US" sz="6000" dirty="0">
+                <a:latin typeface="Segoe UI Black" panose="020B0A02040204020203" pitchFamily="34" charset="0"/>
+                <a:ea typeface="Segoe UI Black" panose="020B0A02040204020203" pitchFamily="34" charset="0"/>
+              </a:rPr>
+              <a:t>Lets Dive Into The Code</a:t>
+            </a:r>
+            <a:endParaRPr lang="he-IL" sz="6000" dirty="0">
+              <a:latin typeface="Segoe UI Black" panose="020B0A02040204020203" pitchFamily="34" charset="0"/>
+              <a:ea typeface="Segoe UI Black" panose="020B0A02040204020203" pitchFamily="34" charset="0"/>
+            </a:endParaRPr>
+          </a:p>
+        </p:txBody>
+      </p:sp>
     </p:spTree>
     <p:extLst>
       <p:ext uri="{BB962C8B-B14F-4D97-AF65-F5344CB8AC3E}">
@@ -23095,6 +23158,18 @@
   <p:clrMapOvr>
     <a:masterClrMapping/>
   </p:clrMapOvr>
+  <mc:AlternateContent xmlns:mc="http://schemas.openxmlformats.org/markup-compatibility/2006">
+    <mc:Choice xmlns:p14="http://schemas.microsoft.com/office/powerpoint/2010/main" Requires="p14">
+      <p:transition spd="slow">
+        <p14:vortex/>
+      </p:transition>
+    </mc:Choice>
+    <mc:Fallback>
+      <p:transition spd="slow">
+        <p:fade/>
+      </p:transition>
+    </mc:Fallback>
+  </mc:AlternateContent>
   <p:timing>
     <p:tnLst>
       <p:par>
@@ -23119,7 +23194,177 @@
                             </p:stCondLst>
                             <p:childTnLst>
                               <p:par>
-                                <p:cTn id="5" presetID="6" presetClass="entr" presetSubtype="16" fill="hold" nodeType="afterEffect">
+                                <p:cTn id="5" presetID="10" presetClass="entr" presetSubtype="0" fill="hold" grpId="0" nodeType="afterEffect">
+                                  <p:stCondLst>
+                                    <p:cond delay="0"/>
+                                  </p:stCondLst>
+                                  <p:childTnLst>
+                                    <p:set>
+                                      <p:cBhvr>
+                                        <p:cTn id="6" dur="1" fill="hold">
+                                          <p:stCondLst>
+                                            <p:cond delay="0"/>
+                                          </p:stCondLst>
+                                        </p:cTn>
+                                        <p:tgtEl>
+                                          <p:spTgt spid="2"/>
+                                        </p:tgtEl>
+                                        <p:attrNameLst>
+                                          <p:attrName>style.visibility</p:attrName>
+                                        </p:attrNameLst>
+                                      </p:cBhvr>
+                                      <p:to>
+                                        <p:strVal val="visible"/>
+                                      </p:to>
+                                    </p:set>
+                                    <p:animEffect transition="in" filter="fade">
+                                      <p:cBhvr>
+                                        <p:cTn id="7" dur="1500"/>
+                                        <p:tgtEl>
+                                          <p:spTgt spid="2"/>
+                                        </p:tgtEl>
+                                      </p:cBhvr>
+                                    </p:animEffect>
+                                  </p:childTnLst>
+                                </p:cTn>
+                              </p:par>
+                            </p:childTnLst>
+                          </p:cTn>
+                        </p:par>
+                      </p:childTnLst>
+                    </p:cTn>
+                  </p:par>
+                </p:childTnLst>
+              </p:cTn>
+              <p:prevCondLst>
+                <p:cond evt="onPrev" delay="0">
+                  <p:tgtEl>
+                    <p:sldTgt/>
+                  </p:tgtEl>
+                </p:cond>
+              </p:prevCondLst>
+              <p:nextCondLst>
+                <p:cond evt="onNext" delay="0">
+                  <p:tgtEl>
+                    <p:sldTgt/>
+                  </p:tgtEl>
+                </p:cond>
+              </p:nextCondLst>
+            </p:seq>
+          </p:childTnLst>
+        </p:cTn>
+      </p:par>
+    </p:tnLst>
+    <p:bldLst>
+      <p:bldP spid="2" grpId="0" animBg="1"/>
+    </p:bldLst>
+  </p:timing>
+</p:sld>
+</file>
+
+<file path=ppt/slides/slide7.xml><?xml version="1.0" encoding="utf-8"?>
+<p:sld xmlns:a="http://schemas.openxmlformats.org/drawingml/2006/main" xmlns:r="http://schemas.openxmlformats.org/officeDocument/2006/relationships" xmlns:p="http://schemas.openxmlformats.org/presentationml/2006/main">
+  <p:cSld>
+    <p:spTree>
+      <p:nvGrpSpPr>
+        <p:cNvPr id="1" name=""/>
+        <p:cNvGrpSpPr/>
+        <p:nvPr/>
+      </p:nvGrpSpPr>
+      <p:grpSpPr>
+        <a:xfrm>
+          <a:off x="0" y="0"/>
+          <a:ext cx="0" cy="0"/>
+          <a:chOff x="0" y="0"/>
+          <a:chExt cx="0" cy="0"/>
+        </a:xfrm>
+      </p:grpSpPr>
+      <p:pic>
+        <p:nvPicPr>
+          <p:cNvPr id="3" name="תמונה 2">
+            <a:extLst>
+              <a:ext uri="{FF2B5EF4-FFF2-40B4-BE49-F238E27FC236}">
+                <a16:creationId xmlns:a16="http://schemas.microsoft.com/office/drawing/2014/main" id="{51796F5A-8F02-FD8C-333D-A7E3B218AEAF}"/>
+              </a:ext>
+            </a:extLst>
+          </p:cNvPr>
+          <p:cNvPicPr>
+            <a:picLocks noChangeAspect="1"/>
+          </p:cNvPicPr>
+          <p:nvPr/>
+        </p:nvPicPr>
+        <p:blipFill rotWithShape="1">
+          <a:blip r:embed="rId2"/>
+          <a:srcRect b="2887"/>
+          <a:stretch/>
+        </p:blipFill>
+        <p:spPr>
+          <a:xfrm>
+            <a:off x="3867912" y="375577"/>
+            <a:ext cx="4900036" cy="6106846"/>
+          </a:xfrm>
+          <a:prstGeom prst="rect">
+            <a:avLst/>
+          </a:prstGeom>
+          <a:ln>
+            <a:noFill/>
+          </a:ln>
+          <a:effectLst>
+            <a:outerShdw blurRad="190500" algn="tl" rotWithShape="0">
+              <a:srgbClr val="000000">
+                <a:alpha val="70000"/>
+              </a:srgbClr>
+            </a:outerShdw>
+          </a:effectLst>
+        </p:spPr>
+      </p:pic>
+    </p:spTree>
+    <p:extLst>
+      <p:ext uri="{BB962C8B-B14F-4D97-AF65-F5344CB8AC3E}">
+        <p14:creationId xmlns:p14="http://schemas.microsoft.com/office/powerpoint/2010/main" val="3157425917"/>
+      </p:ext>
+    </p:extLst>
+  </p:cSld>
+  <p:clrMapOvr>
+    <a:masterClrMapping/>
+  </p:clrMapOvr>
+  <mc:AlternateContent xmlns:mc="http://schemas.openxmlformats.org/markup-compatibility/2006">
+    <mc:Choice xmlns:p14="http://schemas.microsoft.com/office/powerpoint/2010/main" Requires="p14">
+      <p:transition spd="slow">
+        <p14:flash/>
+      </p:transition>
+    </mc:Choice>
+    <mc:Fallback>
+      <p:transition spd="slow">
+        <p:fade/>
+      </p:transition>
+    </mc:Fallback>
+  </mc:AlternateContent>
+  <p:timing>
+    <p:tnLst>
+      <p:par>
+        <p:cTn id="1" dur="indefinite" restart="never" nodeType="tmRoot">
+          <p:childTnLst>
+            <p:seq concurrent="1" nextAc="seek">
+              <p:cTn id="2" dur="indefinite" nodeType="mainSeq">
+                <p:childTnLst>
+                  <p:par>
+                    <p:cTn id="3" fill="hold">
+                      <p:stCondLst>
+                        <p:cond delay="indefinite"/>
+                        <p:cond evt="onBegin" delay="0">
+                          <p:tn val="2"/>
+                        </p:cond>
+                      </p:stCondLst>
+                      <p:childTnLst>
+                        <p:par>
+                          <p:cTn id="4" fill="hold">
+                            <p:stCondLst>
+                              <p:cond delay="0"/>
+                            </p:stCondLst>
+                            <p:childTnLst>
+                              <p:par>
+                                <p:cTn id="5" presetID="16" presetClass="entr" presetSubtype="21" fill="hold" nodeType="afterEffect">
                                   <p:stCondLst>
                                     <p:cond delay="0"/>
                                   </p:stCondLst>
@@ -23142,9 +23387,9 @@
                                         <p:strVal val="visible"/>
                                       </p:to>
                                     </p:set>
-                                    <p:animEffect transition="in" filter="circle(in)">
+                                    <p:animEffect transition="in" filter="barn(inVertical)">
                                       <p:cBhvr>
-                                        <p:cTn id="7" dur="1500"/>
+                                        <p:cTn id="7" dur="1000"/>
                                         <p:tgtEl>
                                           <p:spTgt spid="3"/>
                                         </p:tgtEl>
@@ -23180,165 +23425,6 @@
         </p:cTn>
       </p:par>
     </p:tnLst>
-  </p:timing>
-</p:sld>
-</file>
-
-<file path=ppt/slides/slide7.xml><?xml version="1.0" encoding="utf-8"?>
-<p:sld xmlns:a="http://schemas.openxmlformats.org/drawingml/2006/main" xmlns:r="http://schemas.openxmlformats.org/officeDocument/2006/relationships" xmlns:p="http://schemas.openxmlformats.org/presentationml/2006/main">
-  <p:cSld>
-    <p:spTree>
-      <p:nvGrpSpPr>
-        <p:cNvPr id="1" name=""/>
-        <p:cNvGrpSpPr/>
-        <p:nvPr/>
-      </p:nvGrpSpPr>
-      <p:grpSpPr>
-        <a:xfrm>
-          <a:off x="0" y="0"/>
-          <a:ext cx="0" cy="0"/>
-          <a:chOff x="0" y="0"/>
-          <a:chExt cx="0" cy="0"/>
-        </a:xfrm>
-      </p:grpSpPr>
-      <p:sp>
-        <p:nvSpPr>
-          <p:cNvPr id="5" name="תיבת טקסט 4">
-            <a:extLst>
-              <a:ext uri="{FF2B5EF4-FFF2-40B4-BE49-F238E27FC236}">
-                <a16:creationId xmlns:a16="http://schemas.microsoft.com/office/drawing/2014/main" id="{48B8CAAF-C9AB-7254-AA0D-4D173D3338E0}"/>
-              </a:ext>
-            </a:extLst>
-          </p:cNvPr>
-          <p:cNvSpPr txBox="1"/>
-          <p:nvPr/>
-        </p:nvSpPr>
-        <p:spPr>
-          <a:xfrm>
-            <a:off x="0" y="2497976"/>
-            <a:ext cx="9212826" cy="1862048"/>
-          </a:xfrm>
-          <a:prstGeom prst="rect">
-            <a:avLst/>
-          </a:prstGeom>
-          <a:noFill/>
-        </p:spPr>
-        <p:txBody>
-          <a:bodyPr wrap="square" rtlCol="1">
-            <a:spAutoFit/>
-          </a:bodyPr>
-          <a:lstStyle/>
-          <a:p>
-            <a:r>
-              <a:rPr lang="en-US" sz="11500" b="1" dirty="0">
-                <a:latin typeface="Sitka Subheading" pitchFamily="2" charset="0"/>
-              </a:rPr>
-              <a:t>Thank You!</a:t>
-            </a:r>
-            <a:endParaRPr lang="he-IL" sz="11500" b="1" dirty="0">
-              <a:latin typeface="Sitka Subheading" pitchFamily="2" charset="0"/>
-            </a:endParaRPr>
-          </a:p>
-        </p:txBody>
-      </p:sp>
-    </p:spTree>
-    <p:extLst>
-      <p:ext uri="{BB962C8B-B14F-4D97-AF65-F5344CB8AC3E}">
-        <p14:creationId xmlns:p14="http://schemas.microsoft.com/office/powerpoint/2010/main" val="3157425917"/>
-      </p:ext>
-    </p:extLst>
-  </p:cSld>
-  <p:clrMapOvr>
-    <a:masterClrMapping/>
-  </p:clrMapOvr>
-  <p:timing>
-    <p:tnLst>
-      <p:par>
-        <p:cTn id="1" dur="indefinite" restart="never" nodeType="tmRoot">
-          <p:childTnLst>
-            <p:seq concurrent="1" nextAc="seek">
-              <p:cTn id="2" dur="indefinite" nodeType="mainSeq">
-                <p:childTnLst>
-                  <p:par>
-                    <p:cTn id="3" fill="hold">
-                      <p:stCondLst>
-                        <p:cond delay="indefinite"/>
-                        <p:cond evt="onBegin" delay="0">
-                          <p:tn val="2"/>
-                        </p:cond>
-                      </p:stCondLst>
-                      <p:childTnLst>
-                        <p:par>
-                          <p:cTn id="4" fill="hold">
-                            <p:stCondLst>
-                              <p:cond delay="0"/>
-                            </p:stCondLst>
-                            <p:childTnLst>
-                              <p:par>
-                                <p:cTn id="5" presetID="21" presetClass="entr" presetSubtype="1" fill="hold" grpId="0" nodeType="afterEffect">
-                                  <p:stCondLst>
-                                    <p:cond delay="0"/>
-                                  </p:stCondLst>
-                                  <p:childTnLst>
-                                    <p:set>
-                                      <p:cBhvr>
-                                        <p:cTn id="6" dur="1" fill="hold">
-                                          <p:stCondLst>
-                                            <p:cond delay="0"/>
-                                          </p:stCondLst>
-                                        </p:cTn>
-                                        <p:tgtEl>
-                                          <p:spTgt spid="5"/>
-                                        </p:tgtEl>
-                                        <p:attrNameLst>
-                                          <p:attrName>style.visibility</p:attrName>
-                                        </p:attrNameLst>
-                                      </p:cBhvr>
-                                      <p:to>
-                                        <p:strVal val="visible"/>
-                                      </p:to>
-                                    </p:set>
-                                    <p:animEffect transition="in" filter="wheel(1)">
-                                      <p:cBhvr>
-                                        <p:cTn id="7" dur="2000"/>
-                                        <p:tgtEl>
-                                          <p:spTgt spid="5"/>
-                                        </p:tgtEl>
-                                      </p:cBhvr>
-                                    </p:animEffect>
-                                  </p:childTnLst>
-                                </p:cTn>
-                              </p:par>
-                            </p:childTnLst>
-                          </p:cTn>
-                        </p:par>
-                      </p:childTnLst>
-                    </p:cTn>
-                  </p:par>
-                </p:childTnLst>
-              </p:cTn>
-              <p:prevCondLst>
-                <p:cond evt="onPrev" delay="0">
-                  <p:tgtEl>
-                    <p:sldTgt/>
-                  </p:tgtEl>
-                </p:cond>
-              </p:prevCondLst>
-              <p:nextCondLst>
-                <p:cond evt="onNext" delay="0">
-                  <p:tgtEl>
-                    <p:sldTgt/>
-                  </p:tgtEl>
-                </p:cond>
-              </p:nextCondLst>
-            </p:seq>
-          </p:childTnLst>
-        </p:cTn>
-      </p:par>
-    </p:tnLst>
-    <p:bldLst>
-      <p:bldP spid="5" grpId="0"/>
-    </p:bldLst>
   </p:timing>
 </p:sld>
 </file>

--- a/intro_to_selenium/solarsystemscope/Presentation/Presentation.pptx
+++ b/intro_to_selenium/solarsystemscope/Presentation/Presentation.pptx
@@ -12261,13 +12261,13 @@
   <p:clrMapOvr>
     <a:masterClrMapping/>
   </p:clrMapOvr>
-  <mc:AlternateContent xmlns:mc="http://schemas.openxmlformats.org/markup-compatibility/2006">
-    <mc:Choice xmlns:p14="http://schemas.microsoft.com/office/powerpoint/2010/main" Requires="p14">
+  <mc:AlternateContent xmlns:mc="http://schemas.openxmlformats.org/markup-compatibility/2006" xmlns:p14="http://schemas.microsoft.com/office/powerpoint/2010/main">
+    <mc:Choice Requires="p14">
       <p:transition spd="slow" p14:dur="2000">
         <p14:vortex/>
       </p:transition>
     </mc:Choice>
-    <mc:Fallback>
+    <mc:Fallback xmlns="">
       <p:transition spd="slow">
         <p:fade/>
       </p:transition>
@@ -22363,13 +22363,13 @@
   <p:clrMapOvr>
     <a:masterClrMapping/>
   </p:clrMapOvr>
-  <mc:AlternateContent xmlns:mc="http://schemas.openxmlformats.org/markup-compatibility/2006">
-    <mc:Choice xmlns:p14="http://schemas.microsoft.com/office/powerpoint/2010/main" Requires="p14">
+  <mc:AlternateContent xmlns:mc="http://schemas.openxmlformats.org/markup-compatibility/2006" xmlns:p14="http://schemas.microsoft.com/office/powerpoint/2010/main">
+    <mc:Choice Requires="p14">
       <p:transition spd="slow">
         <p14:glitter dir="r"/>
       </p:transition>
     </mc:Choice>
-    <mc:Fallback>
+    <mc:Fallback xmlns="">
       <p:transition spd="slow">
         <p:fade/>
       </p:transition>
@@ -22740,13 +22740,13 @@
   <p:clrMapOvr>
     <a:masterClrMapping/>
   </p:clrMapOvr>
-  <mc:AlternateContent xmlns:mc="http://schemas.openxmlformats.org/markup-compatibility/2006">
-    <mc:Choice xmlns:p14="http://schemas.microsoft.com/office/powerpoint/2010/main" Requires="p14">
+  <mc:AlternateContent xmlns:mc="http://schemas.openxmlformats.org/markup-compatibility/2006" xmlns:p14="http://schemas.microsoft.com/office/powerpoint/2010/main">
+    <mc:Choice Requires="p14">
       <p:transition spd="slow" p14:dur="1400">
         <p14:ripple/>
       </p:transition>
     </mc:Choice>
-    <mc:Fallback>
+    <mc:Fallback xmlns="">
       <p:transition spd="slow">
         <p:fade/>
       </p:transition>
@@ -22963,13 +22963,13 @@
   <p:clrMapOvr>
     <a:masterClrMapping/>
   </p:clrMapOvr>
-  <mc:AlternateContent xmlns:mc="http://schemas.openxmlformats.org/markup-compatibility/2006">
-    <mc:Choice xmlns:p14="http://schemas.microsoft.com/office/powerpoint/2010/main" Requires="p14">
+  <mc:AlternateContent xmlns:mc="http://schemas.openxmlformats.org/markup-compatibility/2006" xmlns:p14="http://schemas.microsoft.com/office/powerpoint/2010/main">
+    <mc:Choice Requires="p14">
       <p:transition spd="slow">
         <p14:flash/>
       </p:transition>
     </mc:Choice>
-    <mc:Fallback>
+    <mc:Fallback xmlns="">
       <p:transition spd="slow">
         <p:fade/>
       </p:transition>
@@ -23158,13 +23158,13 @@
   <p:clrMapOvr>
     <a:masterClrMapping/>
   </p:clrMapOvr>
-  <mc:AlternateContent xmlns:mc="http://schemas.openxmlformats.org/markup-compatibility/2006">
-    <mc:Choice xmlns:p14="http://schemas.microsoft.com/office/powerpoint/2010/main" Requires="p14">
+  <mc:AlternateContent xmlns:mc="http://schemas.openxmlformats.org/markup-compatibility/2006" xmlns:p14="http://schemas.microsoft.com/office/powerpoint/2010/main">
+    <mc:Choice Requires="p14">
       <p:transition spd="slow">
         <p14:vortex/>
       </p:transition>
     </mc:Choice>
-    <mc:Fallback>
+    <mc:Fallback xmlns="">
       <p:transition spd="slow">
         <p:fade/>
       </p:transition>
@@ -23328,13 +23328,13 @@
   <p:clrMapOvr>
     <a:masterClrMapping/>
   </p:clrMapOvr>
-  <mc:AlternateContent xmlns:mc="http://schemas.openxmlformats.org/markup-compatibility/2006">
-    <mc:Choice xmlns:p14="http://schemas.microsoft.com/office/powerpoint/2010/main" Requires="p14">
+  <mc:AlternateContent xmlns:mc="http://schemas.openxmlformats.org/markup-compatibility/2006" xmlns:p14="http://schemas.microsoft.com/office/powerpoint/2010/main">
+    <mc:Choice Requires="p14">
       <p:transition spd="slow">
         <p14:flash/>
       </p:transition>
     </mc:Choice>
-    <mc:Fallback>
+    <mc:Fallback xmlns="">
       <p:transition spd="slow">
         <p:fade/>
       </p:transition>
@@ -24269,6 +24269,24 @@
 </file>
 
 <file path=customXml/item1.xml><?xml version="1.0" encoding="utf-8"?>
+<?mso-contentType ?>
+<FormTemplates xmlns="http://schemas.microsoft.com/sharepoint/v3/contenttype/forms">
+  <Display>DocumentLibraryForm</Display>
+  <Edit>DocumentLibraryForm</Edit>
+  <New>DocumentLibraryForm</New>
+</FormTemplates>
+</file>
+
+<file path=customXml/item2.xml><?xml version="1.0" encoding="utf-8"?>
+<p:properties xmlns:p="http://schemas.microsoft.com/office/2006/metadata/properties" xmlns:xsi="http://www.w3.org/2001/XMLSchema-instance" xmlns:pc="http://schemas.microsoft.com/office/infopath/2007/PartnerControls">
+  <documentManagement>
+    <Status xmlns="71af3243-3dd4-4a8d-8c0d-dd76da1f02a5">Not started</Status>
+    <MediaServiceKeyPoints xmlns="71af3243-3dd4-4a8d-8c0d-dd76da1f02a5" xsi:nil="true"/>
+  </documentManagement>
+</p:properties>
+</file>
+
+<file path=customXml/item3.xml><?xml version="1.0" encoding="utf-8"?>
 <ct:contentTypeSchema xmlns:ct="http://schemas.microsoft.com/office/2006/metadata/contentType" xmlns:ma="http://schemas.microsoft.com/office/2006/metadata/properties/metaAttributes" ct:_="" ma:_="" ma:contentTypeName="Document" ma:contentTypeID="0x01010079F111ED35F8CC479449609E8A0923A6" ma:contentTypeVersion="12" ma:contentTypeDescription="Create a new document." ma:contentTypeScope="" ma:versionID="93813dd7ca6ad654711aa0ab317e03a3">
   <xsd:schema xmlns:xsd="http://www.w3.org/2001/XMLSchema" xmlns:xs="http://www.w3.org/2001/XMLSchema" xmlns:p="http://schemas.microsoft.com/office/2006/metadata/properties" xmlns:ns2="71af3243-3dd4-4a8d-8c0d-dd76da1f02a5" xmlns:ns3="16c05727-aa75-4e4a-9b5f-8a80a1165891" targetNamespace="http://schemas.microsoft.com/office/2006/metadata/properties" ma:root="true" ma:fieldsID="f11dc0ce689dd3925e84e4e35398c6e7" ns2:_="" ns3:_="">
     <xsd:import namespace="71af3243-3dd4-4a8d-8c0d-dd76da1f02a5"/>
@@ -24489,25 +24507,25 @@
 </ct:contentTypeSchema>
 </file>
 
-<file path=customXml/item2.xml><?xml version="1.0" encoding="utf-8"?>
-<p:properties xmlns:p="http://schemas.microsoft.com/office/2006/metadata/properties" xmlns:xsi="http://www.w3.org/2001/XMLSchema-instance" xmlns:pc="http://schemas.microsoft.com/office/infopath/2007/PartnerControls">
-  <documentManagement>
-    <Status xmlns="71af3243-3dd4-4a8d-8c0d-dd76da1f02a5">Not started</Status>
-    <MediaServiceKeyPoints xmlns="71af3243-3dd4-4a8d-8c0d-dd76da1f02a5" xsi:nil="true"/>
-  </documentManagement>
-</p:properties>
+<file path=customXml/itemProps1.xml><?xml version="1.0" encoding="utf-8"?>
+<ds:datastoreItem xmlns:ds="http://schemas.openxmlformats.org/officeDocument/2006/customXml" ds:itemID="{A0D51BCB-0419-432E-B7F1-25548446A625}">
+  <ds:schemaRefs>
+    <ds:schemaRef ds:uri="http://schemas.microsoft.com/sharepoint/v3/contenttype/forms"/>
+  </ds:schemaRefs>
+</ds:datastoreItem>
 </file>
 
-<file path=customXml/item3.xml><?xml version="1.0" encoding="utf-8"?>
-<?mso-contentType ?>
-<FormTemplates xmlns="http://schemas.microsoft.com/sharepoint/v3/contenttype/forms">
-  <Display>DocumentLibraryForm</Display>
-  <Edit>DocumentLibraryForm</Edit>
-  <New>DocumentLibraryForm</New>
-</FormTemplates>
+<file path=customXml/itemProps2.xml><?xml version="1.0" encoding="utf-8"?>
+<ds:datastoreItem xmlns:ds="http://schemas.openxmlformats.org/officeDocument/2006/customXml" ds:itemID="{1F08B90B-70ED-4539-9C14-FB2728D9064F}">
+  <ds:schemaRefs>
+    <ds:schemaRef ds:uri="http://schemas.microsoft.com/office/2006/metadata/properties"/>
+    <ds:schemaRef ds:uri="http://schemas.microsoft.com/office/infopath/2007/PartnerControls"/>
+    <ds:schemaRef ds:uri="71af3243-3dd4-4a8d-8c0d-dd76da1f02a5"/>
+  </ds:schemaRefs>
+</ds:datastoreItem>
 </file>
 
-<file path=customXml/itemProps1.xml><?xml version="1.0" encoding="utf-8"?>
+<file path=customXml/itemProps3.xml><?xml version="1.0" encoding="utf-8"?>
 <ds:datastoreItem xmlns:ds="http://schemas.openxmlformats.org/officeDocument/2006/customXml" ds:itemID="{9E8D3305-1D9D-4BC8-A40F-6F8AE50BD76B}">
   <ds:schemaRefs>
     <ds:schemaRef ds:uri="http://schemas.microsoft.com/office/2006/metadata/contentType"/>
@@ -24524,22 +24542,4 @@
     <ds:schemaRef ds:uri="http://schemas.microsoft.com/internal/obd"/>
   </ds:schemaRefs>
 </ds:datastoreItem>
-</file>
-
-<file path=customXml/itemProps2.xml><?xml version="1.0" encoding="utf-8"?>
-<ds:datastoreItem xmlns:ds="http://schemas.openxmlformats.org/officeDocument/2006/customXml" ds:itemID="{1F08B90B-70ED-4539-9C14-FB2728D9064F}">
-  <ds:schemaRefs>
-    <ds:schemaRef ds:uri="http://schemas.microsoft.com/office/2006/metadata/properties"/>
-    <ds:schemaRef ds:uri="http://schemas.microsoft.com/office/infopath/2007/PartnerControls"/>
-    <ds:schemaRef ds:uri="71af3243-3dd4-4a8d-8c0d-dd76da1f02a5"/>
-  </ds:schemaRefs>
-</ds:datastoreItem>
-</file>
-
-<file path=customXml/itemProps3.xml><?xml version="1.0" encoding="utf-8"?>
-<ds:datastoreItem xmlns:ds="http://schemas.openxmlformats.org/officeDocument/2006/customXml" ds:itemID="{A0D51BCB-0419-432E-B7F1-25548446A625}">
-  <ds:schemaRefs>
-    <ds:schemaRef ds:uri="http://schemas.microsoft.com/sharepoint/v3/contenttype/forms"/>
-  </ds:schemaRefs>
-</ds:datastoreItem>
 </file>
--- a/intro_to_selenium/solarsystemscope/Presentation/Presentation.pptx
+++ b/intro_to_selenium/solarsystemscope/Presentation/Presentation.pptx
@@ -5,19 +5,21 @@
     <p:sldMasterId id="2147483744" r:id="rId4"/>
   </p:sldMasterIdLst>
   <p:notesMasterIdLst>
-    <p:notesMasterId r:id="rId12"/>
+    <p:notesMasterId r:id="rId14"/>
   </p:notesMasterIdLst>
   <p:handoutMasterIdLst>
-    <p:handoutMasterId r:id="rId13"/>
+    <p:handoutMasterId r:id="rId15"/>
   </p:handoutMasterIdLst>
   <p:sldIdLst>
     <p:sldId id="256" r:id="rId5"/>
     <p:sldId id="270" r:id="rId6"/>
     <p:sldId id="258" r:id="rId7"/>
     <p:sldId id="264" r:id="rId8"/>
-    <p:sldId id="269" r:id="rId9"/>
-    <p:sldId id="268" r:id="rId10"/>
-    <p:sldId id="265" r:id="rId11"/>
+    <p:sldId id="271" r:id="rId9"/>
+    <p:sldId id="272" r:id="rId10"/>
+    <p:sldId id="269" r:id="rId11"/>
+    <p:sldId id="268" r:id="rId12"/>
+    <p:sldId id="265" r:id="rId13"/>
   </p:sldIdLst>
   <p:sldSz cx="12192000" cy="6858000"/>
   <p:notesSz cx="6858000" cy="9144000"/>
@@ -1171,7 +1173,7 @@
       <dgm:extLst>
         <a:ext uri="{E40237B7-FDA0-4F09-8148-C483321AD2D9}">
           <dgm14:cNvPr xmlns:dgm14="http://schemas.microsoft.com/office/drawing/2010/diagram" id="0" name="">
-            <a:hlinkClick xmlns:r="http://schemas.openxmlformats.org/officeDocument/2006/relationships" r:id="rId2" action="ppaction://hlinkfile"/>
+            <a:hlinkClick xmlns:r="http://schemas.openxmlformats.org/officeDocument/2006/relationships" r:id="rId2" action="ppaction://hlinksldjump"/>
           </dgm14:cNvPr>
         </a:ext>
       </dgm:extLst>
@@ -22670,7 +22672,7 @@
             <p:ph sz="half" idx="2"/>
             <p:extLst>
               <p:ext uri="{D42A27DB-BD31-4B8C-83A1-F6EECF244321}">
-                <p14:modId xmlns:p14="http://schemas.microsoft.com/office/powerpoint/2010/main" val="2901007401"/>
+                <p14:modId xmlns:p14="http://schemas.microsoft.com/office/powerpoint/2010/main" val="3596008935"/>
               </p:ext>
             </p:extLst>
           </p:nvPr>
@@ -22883,6 +22885,1569 @@
 </file>
 
 <file path=ppt/slides/slide5.xml><?xml version="1.0" encoding="utf-8"?>
+<p:sld xmlns:a="http://schemas.openxmlformats.org/drawingml/2006/main" xmlns:r="http://schemas.openxmlformats.org/officeDocument/2006/relationships" xmlns:p="http://schemas.openxmlformats.org/presentationml/2006/main">
+  <p:cSld>
+    <p:spTree>
+      <p:nvGrpSpPr>
+        <p:cNvPr id="1" name=""/>
+        <p:cNvGrpSpPr/>
+        <p:nvPr/>
+      </p:nvGrpSpPr>
+      <p:grpSpPr>
+        <a:xfrm>
+          <a:off x="0" y="0"/>
+          <a:ext cx="0" cy="0"/>
+          <a:chOff x="0" y="0"/>
+          <a:chExt cx="0" cy="0"/>
+        </a:xfrm>
+      </p:grpSpPr>
+      <p:sp>
+        <p:nvSpPr>
+          <p:cNvPr id="5" name="אליפסה 4">
+            <a:extLst>
+              <a:ext uri="{FF2B5EF4-FFF2-40B4-BE49-F238E27FC236}">
+                <a16:creationId xmlns:a16="http://schemas.microsoft.com/office/drawing/2014/main" id="{6B35617F-7A0D-FBAD-FA30-CBB1EE369D0E}"/>
+              </a:ext>
+            </a:extLst>
+          </p:cNvPr>
+          <p:cNvSpPr/>
+          <p:nvPr/>
+        </p:nvSpPr>
+        <p:spPr>
+          <a:xfrm>
+            <a:off x="9265011" y="1983839"/>
+            <a:ext cx="502441" cy="502925"/>
+          </a:xfrm>
+          <a:prstGeom prst="ellipse">
+            <a:avLst/>
+          </a:prstGeom>
+          <a:scene3d>
+            <a:camera prst="orthographicFront"/>
+            <a:lightRig rig="flat" dir="t"/>
+          </a:scene3d>
+          <a:sp3d prstMaterial="plastic">
+            <a:bevelT w="120900" h="88900"/>
+            <a:bevelB w="88900" h="31750" prst="angle"/>
+          </a:sp3d>
+        </p:spPr>
+        <p:style>
+          <a:lnRef idx="0">
+            <a:schemeClr val="accent4">
+              <a:shade val="80000"/>
+              <a:hueOff val="0"/>
+              <a:satOff val="0"/>
+              <a:lumOff val="0"/>
+              <a:alphaOff val="0"/>
+            </a:schemeClr>
+          </a:lnRef>
+          <a:fillRef idx="3">
+            <a:schemeClr val="lt1">
+              <a:hueOff val="0"/>
+              <a:satOff val="0"/>
+              <a:lumOff val="0"/>
+              <a:alphaOff val="0"/>
+            </a:schemeClr>
+          </a:fillRef>
+          <a:effectRef idx="2">
+            <a:schemeClr val="lt1">
+              <a:hueOff val="0"/>
+              <a:satOff val="0"/>
+              <a:lumOff val="0"/>
+              <a:alphaOff val="0"/>
+            </a:schemeClr>
+          </a:effectRef>
+          <a:fontRef idx="minor">
+            <a:schemeClr val="dk1">
+              <a:hueOff val="0"/>
+              <a:satOff val="0"/>
+              <a:lumOff val="0"/>
+              <a:alphaOff val="0"/>
+            </a:schemeClr>
+          </a:fontRef>
+        </p:style>
+      </p:sp>
+      <p:sp>
+        <p:nvSpPr>
+          <p:cNvPr id="6" name="אליפסה 5">
+            <a:extLst>
+              <a:ext uri="{FF2B5EF4-FFF2-40B4-BE49-F238E27FC236}">
+                <a16:creationId xmlns:a16="http://schemas.microsoft.com/office/drawing/2014/main" id="{00D9911E-99C4-4A2A-FBF4-EA0AED63A7BA}"/>
+              </a:ext>
+            </a:extLst>
+          </p:cNvPr>
+          <p:cNvSpPr/>
+          <p:nvPr/>
+        </p:nvSpPr>
+        <p:spPr>
+          <a:xfrm>
+            <a:off x="8793764" y="1216459"/>
+            <a:ext cx="693903" cy="693891"/>
+          </a:xfrm>
+          <a:prstGeom prst="ellipse">
+            <a:avLst/>
+          </a:prstGeom>
+          <a:scene3d>
+            <a:camera prst="orthographicFront"/>
+            <a:lightRig rig="flat" dir="t"/>
+          </a:scene3d>
+          <a:sp3d prstMaterial="plastic">
+            <a:bevelT w="120900" h="88900"/>
+            <a:bevelB w="88900" h="31750" prst="angle"/>
+          </a:sp3d>
+        </p:spPr>
+        <p:style>
+          <a:lnRef idx="0">
+            <a:schemeClr val="accent4">
+              <a:shade val="80000"/>
+              <a:hueOff val="0"/>
+              <a:satOff val="0"/>
+              <a:lumOff val="0"/>
+              <a:alphaOff val="0"/>
+            </a:schemeClr>
+          </a:lnRef>
+          <a:fillRef idx="3">
+            <a:schemeClr val="lt1">
+              <a:hueOff val="0"/>
+              <a:satOff val="0"/>
+              <a:lumOff val="0"/>
+              <a:alphaOff val="0"/>
+            </a:schemeClr>
+          </a:fillRef>
+          <a:effectRef idx="2">
+            <a:schemeClr val="lt1">
+              <a:hueOff val="0"/>
+              <a:satOff val="0"/>
+              <a:lumOff val="0"/>
+              <a:alphaOff val="0"/>
+            </a:schemeClr>
+          </a:effectRef>
+          <a:fontRef idx="minor">
+            <a:schemeClr val="dk1">
+              <a:hueOff val="0"/>
+              <a:satOff val="0"/>
+              <a:lumOff val="0"/>
+              <a:alphaOff val="0"/>
+            </a:schemeClr>
+          </a:fontRef>
+        </p:style>
+      </p:sp>
+      <p:grpSp>
+        <p:nvGrpSpPr>
+          <p:cNvPr id="7" name="קבוצה 6">
+            <a:extLst>
+              <a:ext uri="{FF2B5EF4-FFF2-40B4-BE49-F238E27FC236}">
+                <a16:creationId xmlns:a16="http://schemas.microsoft.com/office/drawing/2014/main" id="{78C306E3-5EB1-44C8-FF4F-BAC0E76ABB1E}"/>
+              </a:ext>
+            </a:extLst>
+          </p:cNvPr>
+          <p:cNvGrpSpPr/>
+          <p:nvPr/>
+        </p:nvGrpSpPr>
+        <p:grpSpPr>
+          <a:xfrm>
+            <a:off x="9672811" y="355960"/>
+            <a:ext cx="2229346" cy="2130804"/>
+            <a:chOff x="8944622" y="1206942"/>
+            <a:chExt cx="2229346" cy="2130804"/>
+          </a:xfrm>
+          <a:scene3d>
+            <a:camera prst="orthographicFront"/>
+            <a:lightRig rig="flat" dir="t"/>
+          </a:scene3d>
+        </p:grpSpPr>
+        <p:sp>
+          <p:nvSpPr>
+            <p:cNvPr id="9" name="אליפסה 8">
+              <a:hlinkClick r:id="rId2" action="ppaction://hlinkfile"/>
+              <a:extLst>
+                <a:ext uri="{FF2B5EF4-FFF2-40B4-BE49-F238E27FC236}">
+                  <a16:creationId xmlns:a16="http://schemas.microsoft.com/office/drawing/2014/main" id="{EC2DB5B3-9BBF-0CA2-B3BF-0BB1F16CB101}"/>
+                </a:ext>
+              </a:extLst>
+            </p:cNvPr>
+            <p:cNvSpPr/>
+            <p:nvPr/>
+          </p:nvSpPr>
+          <p:spPr>
+            <a:xfrm>
+              <a:off x="8944622" y="1206942"/>
+              <a:ext cx="2229346" cy="2130804"/>
+            </a:xfrm>
+            <a:prstGeom prst="ellipse">
+              <a:avLst/>
+            </a:prstGeom>
+            <a:sp3d prstMaterial="plastic">
+              <a:bevelT w="120900" h="88900"/>
+              <a:bevelB w="88900" h="31750" prst="angle"/>
+            </a:sp3d>
+          </p:spPr>
+          <p:style>
+            <a:lnRef idx="0">
+              <a:schemeClr val="accent4">
+                <a:shade val="80000"/>
+                <a:hueOff val="0"/>
+                <a:satOff val="0"/>
+                <a:lumOff val="0"/>
+                <a:alphaOff val="0"/>
+              </a:schemeClr>
+            </a:lnRef>
+            <a:fillRef idx="3">
+              <a:schemeClr val="lt1">
+                <a:hueOff val="0"/>
+                <a:satOff val="0"/>
+                <a:lumOff val="0"/>
+                <a:alphaOff val="0"/>
+              </a:schemeClr>
+            </a:fillRef>
+            <a:effectRef idx="2">
+              <a:schemeClr val="lt1">
+                <a:hueOff val="0"/>
+                <a:satOff val="0"/>
+                <a:lumOff val="0"/>
+                <a:alphaOff val="0"/>
+              </a:schemeClr>
+            </a:effectRef>
+            <a:fontRef idx="minor">
+              <a:schemeClr val="dk1">
+                <a:hueOff val="0"/>
+                <a:satOff val="0"/>
+                <a:lumOff val="0"/>
+                <a:alphaOff val="0"/>
+              </a:schemeClr>
+            </a:fontRef>
+          </p:style>
+        </p:sp>
+        <p:sp>
+          <p:nvSpPr>
+            <p:cNvPr id="10" name="אליפסה 6">
+              <a:extLst>
+                <a:ext uri="{FF2B5EF4-FFF2-40B4-BE49-F238E27FC236}">
+                  <a16:creationId xmlns:a16="http://schemas.microsoft.com/office/drawing/2014/main" id="{825A7D1F-EBEF-4F33-9DD6-C92BDD947247}"/>
+                </a:ext>
+              </a:extLst>
+            </p:cNvPr>
+            <p:cNvSpPr txBox="1"/>
+            <p:nvPr/>
+          </p:nvSpPr>
+          <p:spPr>
+            <a:xfrm>
+              <a:off x="9271102" y="1518991"/>
+              <a:ext cx="1576386" cy="1506706"/>
+            </a:xfrm>
+            <a:prstGeom prst="rect">
+              <a:avLst/>
+            </a:prstGeom>
+            <a:sp3d/>
+          </p:spPr>
+          <p:style>
+            <a:lnRef idx="0">
+              <a:scrgbClr r="0" g="0" b="0"/>
+            </a:lnRef>
+            <a:fillRef idx="0">
+              <a:scrgbClr r="0" g="0" b="0"/>
+            </a:fillRef>
+            <a:effectRef idx="0">
+              <a:scrgbClr r="0" g="0" b="0"/>
+            </a:effectRef>
+            <a:fontRef idx="minor">
+              <a:schemeClr val="dk1">
+                <a:hueOff val="0"/>
+                <a:satOff val="0"/>
+                <a:lumOff val="0"/>
+                <a:alphaOff val="0"/>
+              </a:schemeClr>
+            </a:fontRef>
+          </p:style>
+          <p:txBody>
+            <a:bodyPr spcFirstLastPara="0" vert="horz" wrap="square" lIns="91440" tIns="91440" rIns="91440" bIns="91440" numCol="1" spcCol="1270" rtlCol="1" anchor="ctr" anchorCtr="0">
+              <a:noAutofit/>
+            </a:bodyPr>
+            <a:lstStyle/>
+            <a:p>
+              <a:pPr marL="0" lvl="0" indent="0" algn="ctr" defTabSz="1066800" rtl="1">
+                <a:lnSpc>
+                  <a:spcPct val="90000"/>
+                </a:lnSpc>
+                <a:spcBef>
+                  <a:spcPct val="0"/>
+                </a:spcBef>
+                <a:spcAft>
+                  <a:spcPct val="35000"/>
+                </a:spcAft>
+                <a:buNone/>
+              </a:pPr>
+              <a:r>
+                <a:rPr lang="en-US" sz="2400" b="1" kern="1200" noProof="0" dirty="0">
+                  <a:latin typeface="Tahoma" panose="020B0604030504040204" pitchFamily="34" charset="0"/>
+                  <a:ea typeface="Tahoma" panose="020B0604030504040204" pitchFamily="34" charset="0"/>
+                  <a:cs typeface="Tahoma" panose="020B0604030504040204" pitchFamily="34" charset="0"/>
+                </a:rPr>
+                <a:t>Software</a:t>
+              </a:r>
+            </a:p>
+            <a:p>
+              <a:pPr marL="0" lvl="0" indent="0" algn="ctr" defTabSz="1066800" rtl="1">
+                <a:lnSpc>
+                  <a:spcPct val="90000"/>
+                </a:lnSpc>
+                <a:spcBef>
+                  <a:spcPct val="0"/>
+                </a:spcBef>
+                <a:spcAft>
+                  <a:spcPct val="35000"/>
+                </a:spcAft>
+                <a:buNone/>
+              </a:pPr>
+              <a:r>
+                <a:rPr lang="en-US" sz="2400" b="1" kern="1200" noProof="0" dirty="0">
+                  <a:latin typeface="Tahoma" panose="020B0604030504040204" pitchFamily="34" charset="0"/>
+                  <a:ea typeface="Tahoma" panose="020B0604030504040204" pitchFamily="34" charset="0"/>
+                  <a:cs typeface="Tahoma" panose="020B0604030504040204" pitchFamily="34" charset="0"/>
+                </a:rPr>
+                <a:t>Test</a:t>
+              </a:r>
+            </a:p>
+            <a:p>
+              <a:pPr marL="0" lvl="0" indent="0" algn="ctr" defTabSz="1066800" rtl="1">
+                <a:lnSpc>
+                  <a:spcPct val="90000"/>
+                </a:lnSpc>
+                <a:spcBef>
+                  <a:spcPct val="0"/>
+                </a:spcBef>
+                <a:spcAft>
+                  <a:spcPct val="35000"/>
+                </a:spcAft>
+                <a:buNone/>
+              </a:pPr>
+              <a:r>
+                <a:rPr lang="en-US" sz="2400" b="1" kern="1200" noProof="0" dirty="0">
+                  <a:latin typeface="Tahoma" panose="020B0604030504040204" pitchFamily="34" charset="0"/>
+                  <a:ea typeface="Tahoma" panose="020B0604030504040204" pitchFamily="34" charset="0"/>
+                  <a:cs typeface="Tahoma" panose="020B0604030504040204" pitchFamily="34" charset="0"/>
+                </a:rPr>
+                <a:t>Plan</a:t>
+              </a:r>
+              <a:endParaRPr lang="he-IL" sz="1600" b="1" kern="1200" noProof="0" dirty="0">
+                <a:latin typeface="Tahoma" panose="020B0604030504040204" pitchFamily="34" charset="0"/>
+                <a:ea typeface="Tahoma" panose="020B0604030504040204" pitchFamily="34" charset="0"/>
+                <a:cs typeface="Tahoma" panose="020B0604030504040204" pitchFamily="34" charset="0"/>
+              </a:endParaRPr>
+            </a:p>
+          </p:txBody>
+        </p:sp>
+      </p:grpSp>
+      <p:sp>
+        <p:nvSpPr>
+          <p:cNvPr id="8" name="אליפסה 7">
+            <a:extLst>
+              <a:ext uri="{FF2B5EF4-FFF2-40B4-BE49-F238E27FC236}">
+                <a16:creationId xmlns:a16="http://schemas.microsoft.com/office/drawing/2014/main" id="{12CB7880-0449-1012-5088-849A522B03D0}"/>
+              </a:ext>
+            </a:extLst>
+          </p:cNvPr>
+          <p:cNvSpPr/>
+          <p:nvPr/>
+        </p:nvSpPr>
+        <p:spPr>
+          <a:xfrm>
+            <a:off x="9080420" y="398835"/>
+            <a:ext cx="693903" cy="693891"/>
+          </a:xfrm>
+          <a:prstGeom prst="ellipse">
+            <a:avLst/>
+          </a:prstGeom>
+          <a:scene3d>
+            <a:camera prst="orthographicFront"/>
+            <a:lightRig rig="flat" dir="t"/>
+          </a:scene3d>
+          <a:sp3d prstMaterial="plastic">
+            <a:bevelT w="120900" h="88900"/>
+            <a:bevelB w="88900" h="31750" prst="angle"/>
+          </a:sp3d>
+        </p:spPr>
+        <p:style>
+          <a:lnRef idx="0">
+            <a:schemeClr val="accent4">
+              <a:shade val="80000"/>
+              <a:hueOff val="0"/>
+              <a:satOff val="0"/>
+              <a:lumOff val="0"/>
+              <a:alphaOff val="0"/>
+            </a:schemeClr>
+          </a:lnRef>
+          <a:fillRef idx="3">
+            <a:schemeClr val="lt1">
+              <a:hueOff val="0"/>
+              <a:satOff val="0"/>
+              <a:lumOff val="0"/>
+              <a:alphaOff val="0"/>
+            </a:schemeClr>
+          </a:fillRef>
+          <a:effectRef idx="2">
+            <a:schemeClr val="lt1">
+              <a:hueOff val="0"/>
+              <a:satOff val="0"/>
+              <a:lumOff val="0"/>
+              <a:alphaOff val="0"/>
+            </a:schemeClr>
+          </a:effectRef>
+          <a:fontRef idx="minor">
+            <a:schemeClr val="dk1">
+              <a:hueOff val="0"/>
+              <a:satOff val="0"/>
+              <a:lumOff val="0"/>
+              <a:alphaOff val="0"/>
+            </a:schemeClr>
+          </a:fontRef>
+        </p:style>
+      </p:sp>
+      <p:pic>
+        <p:nvPicPr>
+          <p:cNvPr id="12" name="תמונה 11">
+            <a:extLst>
+              <a:ext uri="{FF2B5EF4-FFF2-40B4-BE49-F238E27FC236}">
+                <a16:creationId xmlns:a16="http://schemas.microsoft.com/office/drawing/2014/main" id="{72371F22-239D-5A51-22BC-8712ED3911A5}"/>
+              </a:ext>
+            </a:extLst>
+          </p:cNvPr>
+          <p:cNvPicPr>
+            <a:picLocks noChangeAspect="1"/>
+          </p:cNvPicPr>
+          <p:nvPr/>
+        </p:nvPicPr>
+        <p:blipFill rotWithShape="1">
+          <a:blip r:embed="rId3"/>
+          <a:srcRect l="4199" r="3896" b="6367"/>
+          <a:stretch/>
+        </p:blipFill>
+        <p:spPr>
+          <a:xfrm>
+            <a:off x="1161288" y="770917"/>
+            <a:ext cx="7004304" cy="5316165"/>
+          </a:xfrm>
+          <a:prstGeom prst="roundRect">
+            <a:avLst>
+              <a:gd name="adj" fmla="val 8594"/>
+            </a:avLst>
+          </a:prstGeom>
+          <a:solidFill>
+            <a:srgbClr val="FFFFFF">
+              <a:shade val="85000"/>
+            </a:srgbClr>
+          </a:solidFill>
+          <a:ln>
+            <a:noFill/>
+          </a:ln>
+          <a:effectLst>
+            <a:reflection blurRad="12700" stA="38000" endPos="28000" dist="5000" dir="5400000" sy="-100000" algn="bl" rotWithShape="0"/>
+          </a:effectLst>
+        </p:spPr>
+      </p:pic>
+    </p:spTree>
+    <p:extLst>
+      <p:ext uri="{BB962C8B-B14F-4D97-AF65-F5344CB8AC3E}">
+        <p14:creationId xmlns:p14="http://schemas.microsoft.com/office/powerpoint/2010/main" val="321892474"/>
+      </p:ext>
+    </p:extLst>
+  </p:cSld>
+  <p:clrMapOvr>
+    <a:masterClrMapping/>
+  </p:clrMapOvr>
+  <p:timing>
+    <p:tnLst>
+      <p:par>
+        <p:cTn id="1" dur="indefinite" restart="never" nodeType="tmRoot">
+          <p:childTnLst>
+            <p:seq concurrent="1" nextAc="seek">
+              <p:cTn id="2" dur="indefinite" nodeType="mainSeq">
+                <p:childTnLst>
+                  <p:par>
+                    <p:cTn id="3" fill="hold">
+                      <p:stCondLst>
+                        <p:cond delay="indefinite"/>
+                        <p:cond evt="onBegin" delay="0">
+                          <p:tn val="2"/>
+                        </p:cond>
+                      </p:stCondLst>
+                      <p:childTnLst>
+                        <p:par>
+                          <p:cTn id="4" fill="hold">
+                            <p:stCondLst>
+                              <p:cond delay="0"/>
+                            </p:stCondLst>
+                            <p:childTnLst>
+                              <p:par>
+                                <p:cTn id="5" presetID="42" presetClass="entr" presetSubtype="0" fill="hold" nodeType="afterEffect">
+                                  <p:stCondLst>
+                                    <p:cond delay="0"/>
+                                  </p:stCondLst>
+                                  <p:childTnLst>
+                                    <p:set>
+                                      <p:cBhvr>
+                                        <p:cTn id="6" dur="1" fill="hold">
+                                          <p:stCondLst>
+                                            <p:cond delay="0"/>
+                                          </p:stCondLst>
+                                        </p:cTn>
+                                        <p:tgtEl>
+                                          <p:spTgt spid="7"/>
+                                        </p:tgtEl>
+                                        <p:attrNameLst>
+                                          <p:attrName>style.visibility</p:attrName>
+                                        </p:attrNameLst>
+                                      </p:cBhvr>
+                                      <p:to>
+                                        <p:strVal val="visible"/>
+                                      </p:to>
+                                    </p:set>
+                                    <p:animEffect transition="in" filter="fade">
+                                      <p:cBhvr>
+                                        <p:cTn id="7" dur="1000"/>
+                                        <p:tgtEl>
+                                          <p:spTgt spid="7"/>
+                                        </p:tgtEl>
+                                      </p:cBhvr>
+                                    </p:animEffect>
+                                    <p:anim calcmode="lin" valueType="num">
+                                      <p:cBhvr>
+                                        <p:cTn id="8" dur="1000" fill="hold"/>
+                                        <p:tgtEl>
+                                          <p:spTgt spid="7"/>
+                                        </p:tgtEl>
+                                        <p:attrNameLst>
+                                          <p:attrName>ppt_x</p:attrName>
+                                        </p:attrNameLst>
+                                      </p:cBhvr>
+                                      <p:tavLst>
+                                        <p:tav tm="0">
+                                          <p:val>
+                                            <p:strVal val="#ppt_x"/>
+                                          </p:val>
+                                        </p:tav>
+                                        <p:tav tm="100000">
+                                          <p:val>
+                                            <p:strVal val="#ppt_x"/>
+                                          </p:val>
+                                        </p:tav>
+                                      </p:tavLst>
+                                    </p:anim>
+                                    <p:anim calcmode="lin" valueType="num">
+                                      <p:cBhvr>
+                                        <p:cTn id="9" dur="1000" fill="hold"/>
+                                        <p:tgtEl>
+                                          <p:spTgt spid="7"/>
+                                        </p:tgtEl>
+                                        <p:attrNameLst>
+                                          <p:attrName>ppt_y</p:attrName>
+                                        </p:attrNameLst>
+                                      </p:cBhvr>
+                                      <p:tavLst>
+                                        <p:tav tm="0">
+                                          <p:val>
+                                            <p:strVal val="#ppt_y+.1"/>
+                                          </p:val>
+                                        </p:tav>
+                                        <p:tav tm="100000">
+                                          <p:val>
+                                            <p:strVal val="#ppt_y"/>
+                                          </p:val>
+                                        </p:tav>
+                                      </p:tavLst>
+                                    </p:anim>
+                                  </p:childTnLst>
+                                </p:cTn>
+                              </p:par>
+                            </p:childTnLst>
+                          </p:cTn>
+                        </p:par>
+                        <p:par>
+                          <p:cTn id="10" fill="hold">
+                            <p:stCondLst>
+                              <p:cond delay="1000"/>
+                            </p:stCondLst>
+                            <p:childTnLst>
+                              <p:par>
+                                <p:cTn id="11" presetID="14" presetClass="entr" presetSubtype="10" fill="hold" nodeType="afterEffect">
+                                  <p:stCondLst>
+                                    <p:cond delay="0"/>
+                                  </p:stCondLst>
+                                  <p:childTnLst>
+                                    <p:set>
+                                      <p:cBhvr>
+                                        <p:cTn id="12" dur="1" fill="hold">
+                                          <p:stCondLst>
+                                            <p:cond delay="0"/>
+                                          </p:stCondLst>
+                                        </p:cTn>
+                                        <p:tgtEl>
+                                          <p:spTgt spid="8"/>
+                                        </p:tgtEl>
+                                        <p:attrNameLst>
+                                          <p:attrName>style.visibility</p:attrName>
+                                        </p:attrNameLst>
+                                      </p:cBhvr>
+                                      <p:to>
+                                        <p:strVal val="visible"/>
+                                      </p:to>
+                                    </p:set>
+                                    <p:animEffect transition="in" filter="randombar(horizontal)">
+                                      <p:cBhvr>
+                                        <p:cTn id="13" dur="500"/>
+                                        <p:tgtEl>
+                                          <p:spTgt spid="8"/>
+                                        </p:tgtEl>
+                                      </p:cBhvr>
+                                    </p:animEffect>
+                                  </p:childTnLst>
+                                </p:cTn>
+                              </p:par>
+                            </p:childTnLst>
+                          </p:cTn>
+                        </p:par>
+                        <p:par>
+                          <p:cTn id="14" fill="hold">
+                            <p:stCondLst>
+                              <p:cond delay="1500"/>
+                            </p:stCondLst>
+                            <p:childTnLst>
+                              <p:par>
+                                <p:cTn id="15" presetID="14" presetClass="entr" presetSubtype="10" fill="hold" nodeType="afterEffect">
+                                  <p:stCondLst>
+                                    <p:cond delay="0"/>
+                                  </p:stCondLst>
+                                  <p:childTnLst>
+                                    <p:set>
+                                      <p:cBhvr>
+                                        <p:cTn id="16" dur="1" fill="hold">
+                                          <p:stCondLst>
+                                            <p:cond delay="0"/>
+                                          </p:stCondLst>
+                                        </p:cTn>
+                                        <p:tgtEl>
+                                          <p:spTgt spid="6"/>
+                                        </p:tgtEl>
+                                        <p:attrNameLst>
+                                          <p:attrName>style.visibility</p:attrName>
+                                        </p:attrNameLst>
+                                      </p:cBhvr>
+                                      <p:to>
+                                        <p:strVal val="visible"/>
+                                      </p:to>
+                                    </p:set>
+                                    <p:animEffect transition="in" filter="randombar(horizontal)">
+                                      <p:cBhvr>
+                                        <p:cTn id="17" dur="500"/>
+                                        <p:tgtEl>
+                                          <p:spTgt spid="6"/>
+                                        </p:tgtEl>
+                                      </p:cBhvr>
+                                    </p:animEffect>
+                                  </p:childTnLst>
+                                </p:cTn>
+                              </p:par>
+                            </p:childTnLst>
+                          </p:cTn>
+                        </p:par>
+                        <p:par>
+                          <p:cTn id="18" fill="hold">
+                            <p:stCondLst>
+                              <p:cond delay="2000"/>
+                            </p:stCondLst>
+                            <p:childTnLst>
+                              <p:par>
+                                <p:cTn id="19" presetID="14" presetClass="entr" presetSubtype="10" fill="hold" nodeType="afterEffect">
+                                  <p:stCondLst>
+                                    <p:cond delay="0"/>
+                                  </p:stCondLst>
+                                  <p:childTnLst>
+                                    <p:set>
+                                      <p:cBhvr>
+                                        <p:cTn id="20" dur="1" fill="hold">
+                                          <p:stCondLst>
+                                            <p:cond delay="0"/>
+                                          </p:stCondLst>
+                                        </p:cTn>
+                                        <p:tgtEl>
+                                          <p:spTgt spid="5"/>
+                                        </p:tgtEl>
+                                        <p:attrNameLst>
+                                          <p:attrName>style.visibility</p:attrName>
+                                        </p:attrNameLst>
+                                      </p:cBhvr>
+                                      <p:to>
+                                        <p:strVal val="visible"/>
+                                      </p:to>
+                                    </p:set>
+                                    <p:animEffect transition="in" filter="randombar(horizontal)">
+                                      <p:cBhvr>
+                                        <p:cTn id="21" dur="500"/>
+                                        <p:tgtEl>
+                                          <p:spTgt spid="5"/>
+                                        </p:tgtEl>
+                                      </p:cBhvr>
+                                    </p:animEffect>
+                                  </p:childTnLst>
+                                </p:cTn>
+                              </p:par>
+                            </p:childTnLst>
+                          </p:cTn>
+                        </p:par>
+                        <p:par>
+                          <p:cTn id="22" fill="hold">
+                            <p:stCondLst>
+                              <p:cond delay="2500"/>
+                            </p:stCondLst>
+                            <p:childTnLst>
+                              <p:par>
+                                <p:cTn id="23" presetID="16" presetClass="entr" presetSubtype="21" fill="hold" nodeType="afterEffect">
+                                  <p:stCondLst>
+                                    <p:cond delay="0"/>
+                                  </p:stCondLst>
+                                  <p:childTnLst>
+                                    <p:set>
+                                      <p:cBhvr>
+                                        <p:cTn id="24" dur="1" fill="hold">
+                                          <p:stCondLst>
+                                            <p:cond delay="0"/>
+                                          </p:stCondLst>
+                                        </p:cTn>
+                                        <p:tgtEl>
+                                          <p:spTgt spid="12"/>
+                                        </p:tgtEl>
+                                        <p:attrNameLst>
+                                          <p:attrName>style.visibility</p:attrName>
+                                        </p:attrNameLst>
+                                      </p:cBhvr>
+                                      <p:to>
+                                        <p:strVal val="visible"/>
+                                      </p:to>
+                                    </p:set>
+                                    <p:animEffect transition="in" filter="barn(inVertical)">
+                                      <p:cBhvr>
+                                        <p:cTn id="25" dur="1000"/>
+                                        <p:tgtEl>
+                                          <p:spTgt spid="12"/>
+                                        </p:tgtEl>
+                                      </p:cBhvr>
+                                    </p:animEffect>
+                                  </p:childTnLst>
+                                </p:cTn>
+                              </p:par>
+                            </p:childTnLst>
+                          </p:cTn>
+                        </p:par>
+                      </p:childTnLst>
+                    </p:cTn>
+                  </p:par>
+                </p:childTnLst>
+              </p:cTn>
+              <p:prevCondLst>
+                <p:cond evt="onPrev" delay="0">
+                  <p:tgtEl>
+                    <p:sldTgt/>
+                  </p:tgtEl>
+                </p:cond>
+              </p:prevCondLst>
+              <p:nextCondLst>
+                <p:cond evt="onNext" delay="0">
+                  <p:tgtEl>
+                    <p:sldTgt/>
+                  </p:tgtEl>
+                </p:cond>
+              </p:nextCondLst>
+            </p:seq>
+          </p:childTnLst>
+        </p:cTn>
+      </p:par>
+    </p:tnLst>
+  </p:timing>
+</p:sld>
+</file>
+
+<file path=ppt/slides/slide6.xml><?xml version="1.0" encoding="utf-8"?>
+<p:sld xmlns:a="http://schemas.openxmlformats.org/drawingml/2006/main" xmlns:r="http://schemas.openxmlformats.org/officeDocument/2006/relationships" xmlns:p="http://schemas.openxmlformats.org/presentationml/2006/main">
+  <p:cSld>
+    <p:spTree>
+      <p:nvGrpSpPr>
+        <p:cNvPr id="1" name=""/>
+        <p:cNvGrpSpPr/>
+        <p:nvPr/>
+      </p:nvGrpSpPr>
+      <p:grpSpPr>
+        <a:xfrm>
+          <a:off x="0" y="0"/>
+          <a:ext cx="0" cy="0"/>
+          <a:chOff x="0" y="0"/>
+          <a:chExt cx="0" cy="0"/>
+        </a:xfrm>
+      </p:grpSpPr>
+      <p:sp>
+        <p:nvSpPr>
+          <p:cNvPr id="5" name="אליפסה 4">
+            <a:extLst>
+              <a:ext uri="{FF2B5EF4-FFF2-40B4-BE49-F238E27FC236}">
+                <a16:creationId xmlns:a16="http://schemas.microsoft.com/office/drawing/2014/main" id="{C8D069F4-DA28-9DF4-9F12-3E3120475F7B}"/>
+              </a:ext>
+            </a:extLst>
+          </p:cNvPr>
+          <p:cNvSpPr/>
+          <p:nvPr/>
+        </p:nvSpPr>
+        <p:spPr>
+          <a:xfrm>
+            <a:off x="3147183" y="732147"/>
+            <a:ext cx="502441" cy="502925"/>
+          </a:xfrm>
+          <a:prstGeom prst="ellipse">
+            <a:avLst/>
+          </a:prstGeom>
+          <a:scene3d>
+            <a:camera prst="orthographicFront"/>
+            <a:lightRig rig="flat" dir="t"/>
+          </a:scene3d>
+          <a:sp3d prstMaterial="plastic">
+            <a:bevelT w="120900" h="88900"/>
+            <a:bevelB w="88900" h="31750" prst="angle"/>
+          </a:sp3d>
+        </p:spPr>
+        <p:style>
+          <a:lnRef idx="0">
+            <a:schemeClr val="accent4">
+              <a:shade val="80000"/>
+              <a:hueOff val="0"/>
+              <a:satOff val="0"/>
+              <a:lumOff val="0"/>
+              <a:alphaOff val="0"/>
+            </a:schemeClr>
+          </a:lnRef>
+          <a:fillRef idx="3">
+            <a:schemeClr val="lt1">
+              <a:hueOff val="0"/>
+              <a:satOff val="0"/>
+              <a:lumOff val="0"/>
+              <a:alphaOff val="0"/>
+            </a:schemeClr>
+          </a:fillRef>
+          <a:effectRef idx="2">
+            <a:schemeClr val="lt1">
+              <a:hueOff val="0"/>
+              <a:satOff val="0"/>
+              <a:lumOff val="0"/>
+              <a:alphaOff val="0"/>
+            </a:schemeClr>
+          </a:effectRef>
+          <a:fontRef idx="minor">
+            <a:schemeClr val="dk1">
+              <a:hueOff val="0"/>
+              <a:satOff val="0"/>
+              <a:lumOff val="0"/>
+              <a:alphaOff val="0"/>
+            </a:schemeClr>
+          </a:fontRef>
+        </p:style>
+      </p:sp>
+      <p:grpSp>
+        <p:nvGrpSpPr>
+          <p:cNvPr id="6" name="קבוצה 5">
+            <a:extLst>
+              <a:ext uri="{FF2B5EF4-FFF2-40B4-BE49-F238E27FC236}">
+                <a16:creationId xmlns:a16="http://schemas.microsoft.com/office/drawing/2014/main" id="{8FF2E3C9-CCC4-3971-5754-B51E989FDE52}"/>
+              </a:ext>
+            </a:extLst>
+          </p:cNvPr>
+          <p:cNvGrpSpPr/>
+          <p:nvPr/>
+        </p:nvGrpSpPr>
+        <p:grpSpPr>
+          <a:xfrm>
+            <a:off x="359800" y="193151"/>
+            <a:ext cx="2726845" cy="2501660"/>
+            <a:chOff x="173737" y="781041"/>
+            <a:chExt cx="2726845" cy="2501660"/>
+          </a:xfrm>
+          <a:scene3d>
+            <a:camera prst="orthographicFront"/>
+            <a:lightRig rig="flat" dir="t"/>
+          </a:scene3d>
+        </p:grpSpPr>
+        <p:sp>
+          <p:nvSpPr>
+            <p:cNvPr id="9" name="אליפסה 8">
+              <a:hlinkClick r:id="rId2" action="ppaction://hlinkfile"/>
+              <a:extLst>
+                <a:ext uri="{FF2B5EF4-FFF2-40B4-BE49-F238E27FC236}">
+                  <a16:creationId xmlns:a16="http://schemas.microsoft.com/office/drawing/2014/main" id="{2A6EAD9A-37EC-7BAE-5D75-FBC02551DDCB}"/>
+                </a:ext>
+              </a:extLst>
+            </p:cNvPr>
+            <p:cNvSpPr/>
+            <p:nvPr/>
+          </p:nvSpPr>
+          <p:spPr>
+            <a:xfrm>
+              <a:off x="173737" y="781041"/>
+              <a:ext cx="2726845" cy="2501660"/>
+            </a:xfrm>
+            <a:prstGeom prst="ellipse">
+              <a:avLst/>
+            </a:prstGeom>
+            <a:sp3d prstMaterial="plastic">
+              <a:bevelT w="120900" h="88900"/>
+              <a:bevelB w="88900" h="31750" prst="angle"/>
+            </a:sp3d>
+          </p:spPr>
+          <p:style>
+            <a:lnRef idx="0">
+              <a:schemeClr val="accent4">
+                <a:shade val="80000"/>
+                <a:hueOff val="0"/>
+                <a:satOff val="0"/>
+                <a:lumOff val="0"/>
+                <a:alphaOff val="0"/>
+              </a:schemeClr>
+            </a:lnRef>
+            <a:fillRef idx="3">
+              <a:schemeClr val="lt1">
+                <a:hueOff val="0"/>
+                <a:satOff val="0"/>
+                <a:lumOff val="0"/>
+                <a:alphaOff val="0"/>
+              </a:schemeClr>
+            </a:fillRef>
+            <a:effectRef idx="2">
+              <a:schemeClr val="lt1">
+                <a:hueOff val="0"/>
+                <a:satOff val="0"/>
+                <a:lumOff val="0"/>
+                <a:alphaOff val="0"/>
+              </a:schemeClr>
+            </a:effectRef>
+            <a:fontRef idx="minor">
+              <a:schemeClr val="dk1">
+                <a:hueOff val="0"/>
+                <a:satOff val="0"/>
+                <a:lumOff val="0"/>
+                <a:alphaOff val="0"/>
+              </a:schemeClr>
+            </a:fontRef>
+          </p:style>
+        </p:sp>
+        <p:sp>
+          <p:nvSpPr>
+            <p:cNvPr id="10" name="אליפסה 5">
+              <a:extLst>
+                <a:ext uri="{FF2B5EF4-FFF2-40B4-BE49-F238E27FC236}">
+                  <a16:creationId xmlns:a16="http://schemas.microsoft.com/office/drawing/2014/main" id="{E9F114FE-4374-B196-5CFF-F0E4AE8B41D3}"/>
+                </a:ext>
+              </a:extLst>
+            </p:cNvPr>
+            <p:cNvSpPr txBox="1"/>
+            <p:nvPr/>
+          </p:nvSpPr>
+          <p:spPr>
+            <a:xfrm>
+              <a:off x="573074" y="1147401"/>
+              <a:ext cx="1928171" cy="1768940"/>
+            </a:xfrm>
+            <a:prstGeom prst="rect">
+              <a:avLst/>
+            </a:prstGeom>
+            <a:sp3d/>
+          </p:spPr>
+          <p:style>
+            <a:lnRef idx="0">
+              <a:scrgbClr r="0" g="0" b="0"/>
+            </a:lnRef>
+            <a:fillRef idx="0">
+              <a:scrgbClr r="0" g="0" b="0"/>
+            </a:fillRef>
+            <a:effectRef idx="0">
+              <a:scrgbClr r="0" g="0" b="0"/>
+            </a:effectRef>
+            <a:fontRef idx="minor">
+              <a:schemeClr val="dk1">
+                <a:hueOff val="0"/>
+                <a:satOff val="0"/>
+                <a:lumOff val="0"/>
+                <a:alphaOff val="0"/>
+              </a:schemeClr>
+            </a:fontRef>
+          </p:style>
+          <p:txBody>
+            <a:bodyPr spcFirstLastPara="0" vert="horz" wrap="square" lIns="91440" tIns="91440" rIns="91440" bIns="91440" numCol="1" spcCol="1270" rtlCol="1" anchor="ctr" anchorCtr="0">
+              <a:noAutofit/>
+            </a:bodyPr>
+            <a:lstStyle/>
+            <a:p>
+              <a:pPr marL="0" lvl="0" indent="0" algn="ctr" defTabSz="1066800" rtl="1">
+                <a:lnSpc>
+                  <a:spcPct val="90000"/>
+                </a:lnSpc>
+                <a:spcBef>
+                  <a:spcPct val="0"/>
+                </a:spcBef>
+                <a:spcAft>
+                  <a:spcPct val="35000"/>
+                </a:spcAft>
+                <a:buNone/>
+              </a:pPr>
+              <a:r>
+                <a:rPr lang="en-US" sz="2400" b="1" i="0" kern="1200" noProof="0" dirty="0">
+                  <a:latin typeface="Tahoma" panose="020B0604030504040204" pitchFamily="34" charset="0"/>
+                  <a:ea typeface="Tahoma" panose="020B0604030504040204" pitchFamily="34" charset="0"/>
+                  <a:cs typeface="Tahoma" panose="020B0604030504040204" pitchFamily="34" charset="0"/>
+                </a:rPr>
+                <a:t>Software</a:t>
+              </a:r>
+            </a:p>
+            <a:p>
+              <a:pPr marL="0" lvl="0" indent="0" algn="ctr" defTabSz="1066800" rtl="1">
+                <a:lnSpc>
+                  <a:spcPct val="90000"/>
+                </a:lnSpc>
+                <a:spcBef>
+                  <a:spcPct val="0"/>
+                </a:spcBef>
+                <a:spcAft>
+                  <a:spcPct val="35000"/>
+                </a:spcAft>
+                <a:buNone/>
+              </a:pPr>
+              <a:r>
+                <a:rPr lang="en-US" sz="2400" b="1" i="0" kern="1200" noProof="0" dirty="0">
+                  <a:latin typeface="Tahoma" panose="020B0604030504040204" pitchFamily="34" charset="0"/>
+                  <a:ea typeface="Tahoma" panose="020B0604030504040204" pitchFamily="34" charset="0"/>
+                  <a:cs typeface="Tahoma" panose="020B0604030504040204" pitchFamily="34" charset="0"/>
+                </a:rPr>
+                <a:t>Test </a:t>
+              </a:r>
+            </a:p>
+            <a:p>
+              <a:pPr marL="0" lvl="0" indent="0" algn="ctr" defTabSz="1066800" rtl="1">
+                <a:lnSpc>
+                  <a:spcPct val="90000"/>
+                </a:lnSpc>
+                <a:spcBef>
+                  <a:spcPct val="0"/>
+                </a:spcBef>
+                <a:spcAft>
+                  <a:spcPct val="35000"/>
+                </a:spcAft>
+                <a:buNone/>
+              </a:pPr>
+              <a:r>
+                <a:rPr lang="en-US" sz="2400" b="1" i="0" kern="1200" noProof="0" dirty="0">
+                  <a:latin typeface="Tahoma" panose="020B0604030504040204" pitchFamily="34" charset="0"/>
+                  <a:ea typeface="Tahoma" panose="020B0604030504040204" pitchFamily="34" charset="0"/>
+                  <a:cs typeface="Tahoma" panose="020B0604030504040204" pitchFamily="34" charset="0"/>
+                </a:rPr>
+                <a:t>Design</a:t>
+              </a:r>
+              <a:endParaRPr lang="he-IL" sz="2400" b="1" i="0" kern="1200" noProof="0" dirty="0">
+                <a:latin typeface="Tahoma" panose="020B0604030504040204" pitchFamily="34" charset="0"/>
+                <a:ea typeface="Tahoma" panose="020B0604030504040204" pitchFamily="34" charset="0"/>
+                <a:cs typeface="Tahoma" panose="020B0604030504040204" pitchFamily="34" charset="0"/>
+              </a:endParaRPr>
+            </a:p>
+          </p:txBody>
+        </p:sp>
+      </p:grpSp>
+      <p:sp>
+        <p:nvSpPr>
+          <p:cNvPr id="7" name="אליפסה 6">
+            <a:extLst>
+              <a:ext uri="{FF2B5EF4-FFF2-40B4-BE49-F238E27FC236}">
+                <a16:creationId xmlns:a16="http://schemas.microsoft.com/office/drawing/2014/main" id="{B1710908-EC98-465A-6880-1CBACEE37E3B}"/>
+              </a:ext>
+            </a:extLst>
+          </p:cNvPr>
+          <p:cNvSpPr/>
+          <p:nvPr/>
+        </p:nvSpPr>
+        <p:spPr>
+          <a:xfrm>
+            <a:off x="3139030" y="1353450"/>
+            <a:ext cx="693903" cy="693891"/>
+          </a:xfrm>
+          <a:prstGeom prst="ellipse">
+            <a:avLst/>
+          </a:prstGeom>
+          <a:scene3d>
+            <a:camera prst="orthographicFront"/>
+            <a:lightRig rig="flat" dir="t"/>
+          </a:scene3d>
+          <a:sp3d prstMaterial="plastic">
+            <a:bevelT w="120900" h="88900"/>
+            <a:bevelB w="88900" h="31750" prst="angle"/>
+          </a:sp3d>
+        </p:spPr>
+        <p:style>
+          <a:lnRef idx="0">
+            <a:schemeClr val="accent4">
+              <a:shade val="80000"/>
+              <a:hueOff val="0"/>
+              <a:satOff val="0"/>
+              <a:lumOff val="0"/>
+              <a:alphaOff val="0"/>
+            </a:schemeClr>
+          </a:lnRef>
+          <a:fillRef idx="3">
+            <a:schemeClr val="lt1">
+              <a:hueOff val="0"/>
+              <a:satOff val="0"/>
+              <a:lumOff val="0"/>
+              <a:alphaOff val="0"/>
+            </a:schemeClr>
+          </a:fillRef>
+          <a:effectRef idx="2">
+            <a:schemeClr val="lt1">
+              <a:hueOff val="0"/>
+              <a:satOff val="0"/>
+              <a:lumOff val="0"/>
+              <a:alphaOff val="0"/>
+            </a:schemeClr>
+          </a:effectRef>
+          <a:fontRef idx="minor">
+            <a:schemeClr val="dk1">
+              <a:hueOff val="0"/>
+              <a:satOff val="0"/>
+              <a:lumOff val="0"/>
+              <a:alphaOff val="0"/>
+            </a:schemeClr>
+          </a:fontRef>
+        </p:style>
+      </p:sp>
+      <p:sp>
+        <p:nvSpPr>
+          <p:cNvPr id="8" name="אליפסה 7">
+            <a:extLst>
+              <a:ext uri="{FF2B5EF4-FFF2-40B4-BE49-F238E27FC236}">
+                <a16:creationId xmlns:a16="http://schemas.microsoft.com/office/drawing/2014/main" id="{BD2AB164-8015-7A62-0596-5B1F1D124EF4}"/>
+              </a:ext>
+            </a:extLst>
+          </p:cNvPr>
+          <p:cNvSpPr/>
+          <p:nvPr/>
+        </p:nvSpPr>
+        <p:spPr>
+          <a:xfrm>
+            <a:off x="2887809" y="2076988"/>
+            <a:ext cx="502441" cy="502925"/>
+          </a:xfrm>
+          <a:prstGeom prst="ellipse">
+            <a:avLst/>
+          </a:prstGeom>
+          <a:scene3d>
+            <a:camera prst="orthographicFront"/>
+            <a:lightRig rig="flat" dir="t"/>
+          </a:scene3d>
+          <a:sp3d prstMaterial="plastic">
+            <a:bevelT w="120900" h="88900"/>
+            <a:bevelB w="88900" h="31750" prst="angle"/>
+          </a:sp3d>
+        </p:spPr>
+        <p:style>
+          <a:lnRef idx="0">
+            <a:schemeClr val="accent4">
+              <a:shade val="80000"/>
+              <a:hueOff val="0"/>
+              <a:satOff val="0"/>
+              <a:lumOff val="0"/>
+              <a:alphaOff val="0"/>
+            </a:schemeClr>
+          </a:lnRef>
+          <a:fillRef idx="3">
+            <a:schemeClr val="lt1">
+              <a:hueOff val="0"/>
+              <a:satOff val="0"/>
+              <a:lumOff val="0"/>
+              <a:alphaOff val="0"/>
+            </a:schemeClr>
+          </a:fillRef>
+          <a:effectRef idx="2">
+            <a:schemeClr val="lt1">
+              <a:hueOff val="0"/>
+              <a:satOff val="0"/>
+              <a:lumOff val="0"/>
+              <a:alphaOff val="0"/>
+            </a:schemeClr>
+          </a:effectRef>
+          <a:fontRef idx="minor">
+            <a:schemeClr val="dk1">
+              <a:hueOff val="0"/>
+              <a:satOff val="0"/>
+              <a:lumOff val="0"/>
+              <a:alphaOff val="0"/>
+            </a:schemeClr>
+          </a:fontRef>
+        </p:style>
+      </p:sp>
+      <p:pic>
+        <p:nvPicPr>
+          <p:cNvPr id="12" name="תמונה 11">
+            <a:extLst>
+              <a:ext uri="{FF2B5EF4-FFF2-40B4-BE49-F238E27FC236}">
+                <a16:creationId xmlns:a16="http://schemas.microsoft.com/office/drawing/2014/main" id="{E38A90DA-617B-3E84-A487-253CB2262AC0}"/>
+              </a:ext>
+            </a:extLst>
+          </p:cNvPr>
+          <p:cNvPicPr>
+            <a:picLocks noChangeAspect="1"/>
+          </p:cNvPicPr>
+          <p:nvPr/>
+        </p:nvPicPr>
+        <p:blipFill>
+          <a:blip r:embed="rId3"/>
+          <a:stretch>
+            <a:fillRect/>
+          </a:stretch>
+        </p:blipFill>
+        <p:spPr>
+          <a:xfrm>
+            <a:off x="4178808" y="730815"/>
+            <a:ext cx="7653392" cy="5396370"/>
+          </a:xfrm>
+          <a:prstGeom prst="roundRect">
+            <a:avLst>
+              <a:gd name="adj" fmla="val 8594"/>
+            </a:avLst>
+          </a:prstGeom>
+          <a:solidFill>
+            <a:srgbClr val="FFFFFF">
+              <a:shade val="85000"/>
+            </a:srgbClr>
+          </a:solidFill>
+          <a:ln>
+            <a:noFill/>
+          </a:ln>
+          <a:effectLst>
+            <a:reflection blurRad="12700" stA="38000" endPos="28000" dist="5000" dir="5400000" sy="-100000" algn="bl" rotWithShape="0"/>
+          </a:effectLst>
+        </p:spPr>
+      </p:pic>
+    </p:spTree>
+    <p:extLst>
+      <p:ext uri="{BB962C8B-B14F-4D97-AF65-F5344CB8AC3E}">
+        <p14:creationId xmlns:p14="http://schemas.microsoft.com/office/powerpoint/2010/main" val="22867351"/>
+      </p:ext>
+    </p:extLst>
+  </p:cSld>
+  <p:clrMapOvr>
+    <a:masterClrMapping/>
+  </p:clrMapOvr>
+  <p:timing>
+    <p:tnLst>
+      <p:par>
+        <p:cTn id="1" dur="indefinite" restart="never" nodeType="tmRoot">
+          <p:childTnLst>
+            <p:seq concurrent="1" nextAc="seek">
+              <p:cTn id="2" dur="indefinite" nodeType="mainSeq">
+                <p:childTnLst>
+                  <p:par>
+                    <p:cTn id="3" fill="hold">
+                      <p:stCondLst>
+                        <p:cond delay="indefinite"/>
+                        <p:cond evt="onBegin" delay="0">
+                          <p:tn val="2"/>
+                        </p:cond>
+                      </p:stCondLst>
+                      <p:childTnLst>
+                        <p:par>
+                          <p:cTn id="4" fill="hold">
+                            <p:stCondLst>
+                              <p:cond delay="0"/>
+                            </p:stCondLst>
+                            <p:childTnLst>
+                              <p:par>
+                                <p:cTn id="5" presetID="42" presetClass="entr" presetSubtype="0" fill="hold" nodeType="afterEffect">
+                                  <p:stCondLst>
+                                    <p:cond delay="0"/>
+                                  </p:stCondLst>
+                                  <p:childTnLst>
+                                    <p:set>
+                                      <p:cBhvr>
+                                        <p:cTn id="6" dur="1" fill="hold">
+                                          <p:stCondLst>
+                                            <p:cond delay="0"/>
+                                          </p:stCondLst>
+                                        </p:cTn>
+                                        <p:tgtEl>
+                                          <p:spTgt spid="6"/>
+                                        </p:tgtEl>
+                                        <p:attrNameLst>
+                                          <p:attrName>style.visibility</p:attrName>
+                                        </p:attrNameLst>
+                                      </p:cBhvr>
+                                      <p:to>
+                                        <p:strVal val="visible"/>
+                                      </p:to>
+                                    </p:set>
+                                    <p:animEffect transition="in" filter="fade">
+                                      <p:cBhvr>
+                                        <p:cTn id="7" dur="1000"/>
+                                        <p:tgtEl>
+                                          <p:spTgt spid="6"/>
+                                        </p:tgtEl>
+                                      </p:cBhvr>
+                                    </p:animEffect>
+                                    <p:anim calcmode="lin" valueType="num">
+                                      <p:cBhvr>
+                                        <p:cTn id="8" dur="1000" fill="hold"/>
+                                        <p:tgtEl>
+                                          <p:spTgt spid="6"/>
+                                        </p:tgtEl>
+                                        <p:attrNameLst>
+                                          <p:attrName>ppt_x</p:attrName>
+                                        </p:attrNameLst>
+                                      </p:cBhvr>
+                                      <p:tavLst>
+                                        <p:tav tm="0">
+                                          <p:val>
+                                            <p:strVal val="#ppt_x"/>
+                                          </p:val>
+                                        </p:tav>
+                                        <p:tav tm="100000">
+                                          <p:val>
+                                            <p:strVal val="#ppt_x"/>
+                                          </p:val>
+                                        </p:tav>
+                                      </p:tavLst>
+                                    </p:anim>
+                                    <p:anim calcmode="lin" valueType="num">
+                                      <p:cBhvr>
+                                        <p:cTn id="9" dur="1000" fill="hold"/>
+                                        <p:tgtEl>
+                                          <p:spTgt spid="6"/>
+                                        </p:tgtEl>
+                                        <p:attrNameLst>
+                                          <p:attrName>ppt_y</p:attrName>
+                                        </p:attrNameLst>
+                                      </p:cBhvr>
+                                      <p:tavLst>
+                                        <p:tav tm="0">
+                                          <p:val>
+                                            <p:strVal val="#ppt_y+.1"/>
+                                          </p:val>
+                                        </p:tav>
+                                        <p:tav tm="100000">
+                                          <p:val>
+                                            <p:strVal val="#ppt_y"/>
+                                          </p:val>
+                                        </p:tav>
+                                      </p:tavLst>
+                                    </p:anim>
+                                  </p:childTnLst>
+                                </p:cTn>
+                              </p:par>
+                            </p:childTnLst>
+                          </p:cTn>
+                        </p:par>
+                        <p:par>
+                          <p:cTn id="10" fill="hold">
+                            <p:stCondLst>
+                              <p:cond delay="1000"/>
+                            </p:stCondLst>
+                            <p:childTnLst>
+                              <p:par>
+                                <p:cTn id="11" presetID="14" presetClass="entr" presetSubtype="10" fill="hold" nodeType="afterEffect">
+                                  <p:stCondLst>
+                                    <p:cond delay="0"/>
+                                  </p:stCondLst>
+                                  <p:childTnLst>
+                                    <p:set>
+                                      <p:cBhvr>
+                                        <p:cTn id="12" dur="1" fill="hold">
+                                          <p:stCondLst>
+                                            <p:cond delay="0"/>
+                                          </p:stCondLst>
+                                        </p:cTn>
+                                        <p:tgtEl>
+                                          <p:spTgt spid="5"/>
+                                        </p:tgtEl>
+                                        <p:attrNameLst>
+                                          <p:attrName>style.visibility</p:attrName>
+                                        </p:attrNameLst>
+                                      </p:cBhvr>
+                                      <p:to>
+                                        <p:strVal val="visible"/>
+                                      </p:to>
+                                    </p:set>
+                                    <p:animEffect transition="in" filter="randombar(horizontal)">
+                                      <p:cBhvr>
+                                        <p:cTn id="13" dur="500"/>
+                                        <p:tgtEl>
+                                          <p:spTgt spid="5"/>
+                                        </p:tgtEl>
+                                      </p:cBhvr>
+                                    </p:animEffect>
+                                  </p:childTnLst>
+                                </p:cTn>
+                              </p:par>
+                            </p:childTnLst>
+                          </p:cTn>
+                        </p:par>
+                        <p:par>
+                          <p:cTn id="14" fill="hold">
+                            <p:stCondLst>
+                              <p:cond delay="1500"/>
+                            </p:stCondLst>
+                            <p:childTnLst>
+                              <p:par>
+                                <p:cTn id="15" presetID="14" presetClass="entr" presetSubtype="10" fill="hold" nodeType="afterEffect">
+                                  <p:stCondLst>
+                                    <p:cond delay="0"/>
+                                  </p:stCondLst>
+                                  <p:childTnLst>
+                                    <p:set>
+                                      <p:cBhvr>
+                                        <p:cTn id="16" dur="1" fill="hold">
+                                          <p:stCondLst>
+                                            <p:cond delay="0"/>
+                                          </p:stCondLst>
+                                        </p:cTn>
+                                        <p:tgtEl>
+                                          <p:spTgt spid="7"/>
+                                        </p:tgtEl>
+                                        <p:attrNameLst>
+                                          <p:attrName>style.visibility</p:attrName>
+                                        </p:attrNameLst>
+                                      </p:cBhvr>
+                                      <p:to>
+                                        <p:strVal val="visible"/>
+                                      </p:to>
+                                    </p:set>
+                                    <p:animEffect transition="in" filter="randombar(horizontal)">
+                                      <p:cBhvr>
+                                        <p:cTn id="17" dur="500"/>
+                                        <p:tgtEl>
+                                          <p:spTgt spid="7"/>
+                                        </p:tgtEl>
+                                      </p:cBhvr>
+                                    </p:animEffect>
+                                  </p:childTnLst>
+                                </p:cTn>
+                              </p:par>
+                            </p:childTnLst>
+                          </p:cTn>
+                        </p:par>
+                        <p:par>
+                          <p:cTn id="18" fill="hold">
+                            <p:stCondLst>
+                              <p:cond delay="2000"/>
+                            </p:stCondLst>
+                            <p:childTnLst>
+                              <p:par>
+                                <p:cTn id="19" presetID="14" presetClass="entr" presetSubtype="10" fill="hold" nodeType="afterEffect">
+                                  <p:stCondLst>
+                                    <p:cond delay="0"/>
+                                  </p:stCondLst>
+                                  <p:childTnLst>
+                                    <p:set>
+                                      <p:cBhvr>
+                                        <p:cTn id="20" dur="1" fill="hold">
+                                          <p:stCondLst>
+                                            <p:cond delay="0"/>
+                                          </p:stCondLst>
+                                        </p:cTn>
+                                        <p:tgtEl>
+                                          <p:spTgt spid="8"/>
+                                        </p:tgtEl>
+                                        <p:attrNameLst>
+                                          <p:attrName>style.visibility</p:attrName>
+                                        </p:attrNameLst>
+                                      </p:cBhvr>
+                                      <p:to>
+                                        <p:strVal val="visible"/>
+                                      </p:to>
+                                    </p:set>
+                                    <p:animEffect transition="in" filter="randombar(horizontal)">
+                                      <p:cBhvr>
+                                        <p:cTn id="21" dur="500"/>
+                                        <p:tgtEl>
+                                          <p:spTgt spid="8"/>
+                                        </p:tgtEl>
+                                      </p:cBhvr>
+                                    </p:animEffect>
+                                  </p:childTnLst>
+                                </p:cTn>
+                              </p:par>
+                            </p:childTnLst>
+                          </p:cTn>
+                        </p:par>
+                        <p:par>
+                          <p:cTn id="22" fill="hold">
+                            <p:stCondLst>
+                              <p:cond delay="2500"/>
+                            </p:stCondLst>
+                            <p:childTnLst>
+                              <p:par>
+                                <p:cTn id="23" presetID="16" presetClass="entr" presetSubtype="21" fill="hold" nodeType="afterEffect">
+                                  <p:stCondLst>
+                                    <p:cond delay="0"/>
+                                  </p:stCondLst>
+                                  <p:childTnLst>
+                                    <p:set>
+                                      <p:cBhvr>
+                                        <p:cTn id="24" dur="1" fill="hold">
+                                          <p:stCondLst>
+                                            <p:cond delay="0"/>
+                                          </p:stCondLst>
+                                        </p:cTn>
+                                        <p:tgtEl>
+                                          <p:spTgt spid="12"/>
+                                        </p:tgtEl>
+                                        <p:attrNameLst>
+                                          <p:attrName>style.visibility</p:attrName>
+                                        </p:attrNameLst>
+                                      </p:cBhvr>
+                                      <p:to>
+                                        <p:strVal val="visible"/>
+                                      </p:to>
+                                    </p:set>
+                                    <p:animEffect transition="in" filter="barn(inVertical)">
+                                      <p:cBhvr>
+                                        <p:cTn id="25" dur="1000"/>
+                                        <p:tgtEl>
+                                          <p:spTgt spid="12"/>
+                                        </p:tgtEl>
+                                      </p:cBhvr>
+                                    </p:animEffect>
+                                  </p:childTnLst>
+                                </p:cTn>
+                              </p:par>
+                            </p:childTnLst>
+                          </p:cTn>
+                        </p:par>
+                      </p:childTnLst>
+                    </p:cTn>
+                  </p:par>
+                </p:childTnLst>
+              </p:cTn>
+              <p:prevCondLst>
+                <p:cond evt="onPrev" delay="0">
+                  <p:tgtEl>
+                    <p:sldTgt/>
+                  </p:tgtEl>
+                </p:cond>
+              </p:prevCondLst>
+              <p:nextCondLst>
+                <p:cond evt="onNext" delay="0">
+                  <p:tgtEl>
+                    <p:sldTgt/>
+                  </p:tgtEl>
+                </p:cond>
+              </p:nextCondLst>
+            </p:seq>
+          </p:childTnLst>
+        </p:cTn>
+      </p:par>
+    </p:tnLst>
+  </p:timing>
+</p:sld>
+</file>
+
+<file path=ppt/slides/slide7.xml><?xml version="1.0" encoding="utf-8"?>
 <p:sld xmlns:a="http://schemas.openxmlformats.org/drawingml/2006/main" xmlns:r="http://schemas.openxmlformats.org/officeDocument/2006/relationships" xmlns:p="http://schemas.openxmlformats.org/presentationml/2006/main">
   <p:cSld>
     <p:spTree>
@@ -23064,7 +24629,7 @@
 </p:sld>
 </file>
 
-<file path=ppt/slides/slide6.xml><?xml version="1.0" encoding="utf-8"?>
+<file path=ppt/slides/slide8.xml><?xml version="1.0" encoding="utf-8"?>
 <p:sld xmlns:a="http://schemas.openxmlformats.org/drawingml/2006/main" xmlns:r="http://schemas.openxmlformats.org/officeDocument/2006/relationships" xmlns:p="http://schemas.openxmlformats.org/presentationml/2006/main">
   <p:cSld>
     <p:spTree>
@@ -23262,7 +24827,7 @@
 </p:sld>
 </file>
 
-<file path=ppt/slides/slide7.xml><?xml version="1.0" encoding="utf-8"?>
+<file path=ppt/slides/slide9.xml><?xml version="1.0" encoding="utf-8"?>
 <p:sld xmlns:a="http://schemas.openxmlformats.org/drawingml/2006/main" xmlns:r="http://schemas.openxmlformats.org/officeDocument/2006/relationships" xmlns:p="http://schemas.openxmlformats.org/presentationml/2006/main">
   <p:cSld>
     <p:spTree>
@@ -24269,24 +25834,6 @@
 </file>
 
 <file path=customXml/item1.xml><?xml version="1.0" encoding="utf-8"?>
-<?mso-contentType ?>
-<FormTemplates xmlns="http://schemas.microsoft.com/sharepoint/v3/contenttype/forms">
-  <Display>DocumentLibraryForm</Display>
-  <Edit>DocumentLibraryForm</Edit>
-  <New>DocumentLibraryForm</New>
-</FormTemplates>
-</file>
-
-<file path=customXml/item2.xml><?xml version="1.0" encoding="utf-8"?>
-<p:properties xmlns:p="http://schemas.microsoft.com/office/2006/metadata/properties" xmlns:xsi="http://www.w3.org/2001/XMLSchema-instance" xmlns:pc="http://schemas.microsoft.com/office/infopath/2007/PartnerControls">
-  <documentManagement>
-    <Status xmlns="71af3243-3dd4-4a8d-8c0d-dd76da1f02a5">Not started</Status>
-    <MediaServiceKeyPoints xmlns="71af3243-3dd4-4a8d-8c0d-dd76da1f02a5" xsi:nil="true"/>
-  </documentManagement>
-</p:properties>
-</file>
-
-<file path=customXml/item3.xml><?xml version="1.0" encoding="utf-8"?>
 <ct:contentTypeSchema xmlns:ct="http://schemas.microsoft.com/office/2006/metadata/contentType" xmlns:ma="http://schemas.microsoft.com/office/2006/metadata/properties/metaAttributes" ct:_="" ma:_="" ma:contentTypeName="Document" ma:contentTypeID="0x01010079F111ED35F8CC479449609E8A0923A6" ma:contentTypeVersion="12" ma:contentTypeDescription="Create a new document." ma:contentTypeScope="" ma:versionID="93813dd7ca6ad654711aa0ab317e03a3">
   <xsd:schema xmlns:xsd="http://www.w3.org/2001/XMLSchema" xmlns:xs="http://www.w3.org/2001/XMLSchema" xmlns:p="http://schemas.microsoft.com/office/2006/metadata/properties" xmlns:ns2="71af3243-3dd4-4a8d-8c0d-dd76da1f02a5" xmlns:ns3="16c05727-aa75-4e4a-9b5f-8a80a1165891" targetNamespace="http://schemas.microsoft.com/office/2006/metadata/properties" ma:root="true" ma:fieldsID="f11dc0ce689dd3925e84e4e35398c6e7" ns2:_="" ns3:_="">
     <xsd:import namespace="71af3243-3dd4-4a8d-8c0d-dd76da1f02a5"/>
@@ -24507,25 +26054,25 @@
 </ct:contentTypeSchema>
 </file>
 
-<file path=customXml/itemProps1.xml><?xml version="1.0" encoding="utf-8"?>
-<ds:datastoreItem xmlns:ds="http://schemas.openxmlformats.org/officeDocument/2006/customXml" ds:itemID="{A0D51BCB-0419-432E-B7F1-25548446A625}">
-  <ds:schemaRefs>
-    <ds:schemaRef ds:uri="http://schemas.microsoft.com/sharepoint/v3/contenttype/forms"/>
-  </ds:schemaRefs>
-</ds:datastoreItem>
+<file path=customXml/item2.xml><?xml version="1.0" encoding="utf-8"?>
+<p:properties xmlns:p="http://schemas.microsoft.com/office/2006/metadata/properties" xmlns:xsi="http://www.w3.org/2001/XMLSchema-instance" xmlns:pc="http://schemas.microsoft.com/office/infopath/2007/PartnerControls">
+  <documentManagement>
+    <Status xmlns="71af3243-3dd4-4a8d-8c0d-dd76da1f02a5">Not started</Status>
+    <MediaServiceKeyPoints xmlns="71af3243-3dd4-4a8d-8c0d-dd76da1f02a5" xsi:nil="true"/>
+  </documentManagement>
+</p:properties>
 </file>
 
-<file path=customXml/itemProps2.xml><?xml version="1.0" encoding="utf-8"?>
-<ds:datastoreItem xmlns:ds="http://schemas.openxmlformats.org/officeDocument/2006/customXml" ds:itemID="{1F08B90B-70ED-4539-9C14-FB2728D9064F}">
-  <ds:schemaRefs>
-    <ds:schemaRef ds:uri="http://schemas.microsoft.com/office/2006/metadata/properties"/>
-    <ds:schemaRef ds:uri="http://schemas.microsoft.com/office/infopath/2007/PartnerControls"/>
-    <ds:schemaRef ds:uri="71af3243-3dd4-4a8d-8c0d-dd76da1f02a5"/>
-  </ds:schemaRefs>
-</ds:datastoreItem>
+<file path=customXml/item3.xml><?xml version="1.0" encoding="utf-8"?>
+<?mso-contentType ?>
+<FormTemplates xmlns="http://schemas.microsoft.com/sharepoint/v3/contenttype/forms">
+  <Display>DocumentLibraryForm</Display>
+  <Edit>DocumentLibraryForm</Edit>
+  <New>DocumentLibraryForm</New>
+</FormTemplates>
 </file>
 
-<file path=customXml/itemProps3.xml><?xml version="1.0" encoding="utf-8"?>
+<file path=customXml/itemProps1.xml><?xml version="1.0" encoding="utf-8"?>
 <ds:datastoreItem xmlns:ds="http://schemas.openxmlformats.org/officeDocument/2006/customXml" ds:itemID="{9E8D3305-1D9D-4BC8-A40F-6F8AE50BD76B}">
   <ds:schemaRefs>
     <ds:schemaRef ds:uri="http://schemas.microsoft.com/office/2006/metadata/contentType"/>
@@ -24542,4 +26089,22 @@
     <ds:schemaRef ds:uri="http://schemas.microsoft.com/internal/obd"/>
   </ds:schemaRefs>
 </ds:datastoreItem>
+</file>
+
+<file path=customXml/itemProps2.xml><?xml version="1.0" encoding="utf-8"?>
+<ds:datastoreItem xmlns:ds="http://schemas.openxmlformats.org/officeDocument/2006/customXml" ds:itemID="{1F08B90B-70ED-4539-9C14-FB2728D9064F}">
+  <ds:schemaRefs>
+    <ds:schemaRef ds:uri="http://schemas.microsoft.com/office/2006/metadata/properties"/>
+    <ds:schemaRef ds:uri="http://schemas.microsoft.com/office/infopath/2007/PartnerControls"/>
+    <ds:schemaRef ds:uri="71af3243-3dd4-4a8d-8c0d-dd76da1f02a5"/>
+  </ds:schemaRefs>
+</ds:datastoreItem>
+</file>
+
+<file path=customXml/itemProps3.xml><?xml version="1.0" encoding="utf-8"?>
+<ds:datastoreItem xmlns:ds="http://schemas.openxmlformats.org/officeDocument/2006/customXml" ds:itemID="{A0D51BCB-0419-432E-B7F1-25548446A625}">
+  <ds:schemaRefs>
+    <ds:schemaRef ds:uri="http://schemas.microsoft.com/sharepoint/v3/contenttype/forms"/>
+  </ds:schemaRefs>
+</ds:datastoreItem>
 </file>